--- a/docs/Arch.pptx
+++ b/docs/Arch.pptx
@@ -2,7 +2,7 @@
 <file path=ppt/presentation.xml><?xml version="1.0" encoding="utf-8"?>
 <p:presentation xmlns:a="http://schemas.openxmlformats.org/drawingml/2006/main" xmlns:r="http://schemas.openxmlformats.org/officeDocument/2006/relationships" xmlns:p="http://schemas.openxmlformats.org/presentationml/2006/main" saveSubsetFonts="1" autoCompressPictures="0">
   <p:sldMasterIdLst>
-    <p:sldMasterId id="2147483661" r:id="rId1"/>
+    <p:sldMasterId id="2147483673" r:id="rId1"/>
   </p:sldMasterIdLst>
   <p:notesMasterIdLst>
     <p:notesMasterId r:id="rId3"/>
@@ -10,7 +10,7 @@
   <p:sldIdLst>
     <p:sldId id="271" r:id="rId2"/>
   </p:sldIdLst>
-  <p:sldSz cx="12801600" cy="9601200" type="A3"/>
+  <p:sldSz cx="21383625" cy="30275213"/>
   <p:notesSz cx="6858000" cy="9144000"/>
   <p:defaultTextStyle>
     <a:defPPr>
@@ -197,7 +197,7 @@
           <a:p>
             <a:fld id="{A603F693-7AFA-224D-ACC2-3E9653300C28}" type="datetimeFigureOut">
               <a:rPr lang="en-SE" smtClean="0"/>
-              <a:t>2023-02-02</a:t>
+              <a:t>2023-02-08</a:t>
             </a:fld>
             <a:endParaRPr lang="en-SE"/>
           </a:p>
@@ -215,8 +215,8 @@
         </p:nvSpPr>
         <p:spPr>
           <a:xfrm>
-            <a:off x="1371600" y="1143000"/>
-            <a:ext cx="4114800" cy="3086100"/>
+            <a:off x="2338388" y="1143000"/>
+            <a:ext cx="2181225" cy="3086100"/>
           </a:xfrm>
           <a:prstGeom prst="rect">
             <a:avLst/>
@@ -371,8 +371,8 @@
   </p:cSld>
   <p:clrMap bg1="lt1" tx1="dk1" bg2="lt2" tx2="dk2" accent1="accent1" accent2="accent2" accent3="accent3" accent4="accent4" accent5="accent5" accent6="accent6" hlink="hlink" folHlink="folHlink"/>
   <p:notesStyle>
-    <a:lvl1pPr marL="0" algn="l" defTabSz="1075334" rtl="0" eaLnBrk="1" latinLnBrk="0" hangingPunct="1">
-      <a:defRPr sz="1411" kern="1200">
+    <a:lvl1pPr marL="0" algn="l" defTabSz="2479613" rtl="0" eaLnBrk="1" latinLnBrk="0" hangingPunct="1">
+      <a:defRPr sz="3254" kern="1200">
         <a:solidFill>
           <a:schemeClr val="tx1"/>
         </a:solidFill>
@@ -381,8 +381,8 @@
         <a:cs typeface="+mn-cs"/>
       </a:defRPr>
     </a:lvl1pPr>
-    <a:lvl2pPr marL="537667" algn="l" defTabSz="1075334" rtl="0" eaLnBrk="1" latinLnBrk="0" hangingPunct="1">
-      <a:defRPr sz="1411" kern="1200">
+    <a:lvl2pPr marL="1239806" algn="l" defTabSz="2479613" rtl="0" eaLnBrk="1" latinLnBrk="0" hangingPunct="1">
+      <a:defRPr sz="3254" kern="1200">
         <a:solidFill>
           <a:schemeClr val="tx1"/>
         </a:solidFill>
@@ -391,8 +391,8 @@
         <a:cs typeface="+mn-cs"/>
       </a:defRPr>
     </a:lvl2pPr>
-    <a:lvl3pPr marL="1075334" algn="l" defTabSz="1075334" rtl="0" eaLnBrk="1" latinLnBrk="0" hangingPunct="1">
-      <a:defRPr sz="1411" kern="1200">
+    <a:lvl3pPr marL="2479613" algn="l" defTabSz="2479613" rtl="0" eaLnBrk="1" latinLnBrk="0" hangingPunct="1">
+      <a:defRPr sz="3254" kern="1200">
         <a:solidFill>
           <a:schemeClr val="tx1"/>
         </a:solidFill>
@@ -401,8 +401,8 @@
         <a:cs typeface="+mn-cs"/>
       </a:defRPr>
     </a:lvl3pPr>
-    <a:lvl4pPr marL="1613002" algn="l" defTabSz="1075334" rtl="0" eaLnBrk="1" latinLnBrk="0" hangingPunct="1">
-      <a:defRPr sz="1411" kern="1200">
+    <a:lvl4pPr marL="3719421" algn="l" defTabSz="2479613" rtl="0" eaLnBrk="1" latinLnBrk="0" hangingPunct="1">
+      <a:defRPr sz="3254" kern="1200">
         <a:solidFill>
           <a:schemeClr val="tx1"/>
         </a:solidFill>
@@ -411,8 +411,8 @@
         <a:cs typeface="+mn-cs"/>
       </a:defRPr>
     </a:lvl4pPr>
-    <a:lvl5pPr marL="2150669" algn="l" defTabSz="1075334" rtl="0" eaLnBrk="1" latinLnBrk="0" hangingPunct="1">
-      <a:defRPr sz="1411" kern="1200">
+    <a:lvl5pPr marL="4959228" algn="l" defTabSz="2479613" rtl="0" eaLnBrk="1" latinLnBrk="0" hangingPunct="1">
+      <a:defRPr sz="3254" kern="1200">
         <a:solidFill>
           <a:schemeClr val="tx1"/>
         </a:solidFill>
@@ -421,8 +421,8 @@
         <a:cs typeface="+mn-cs"/>
       </a:defRPr>
     </a:lvl5pPr>
-    <a:lvl6pPr marL="2688336" algn="l" defTabSz="1075334" rtl="0" eaLnBrk="1" latinLnBrk="0" hangingPunct="1">
-      <a:defRPr sz="1411" kern="1200">
+    <a:lvl6pPr marL="6199034" algn="l" defTabSz="2479613" rtl="0" eaLnBrk="1" latinLnBrk="0" hangingPunct="1">
+      <a:defRPr sz="3254" kern="1200">
         <a:solidFill>
           <a:schemeClr val="tx1"/>
         </a:solidFill>
@@ -431,8 +431,8 @@
         <a:cs typeface="+mn-cs"/>
       </a:defRPr>
     </a:lvl6pPr>
-    <a:lvl7pPr marL="3226003" algn="l" defTabSz="1075334" rtl="0" eaLnBrk="1" latinLnBrk="0" hangingPunct="1">
-      <a:defRPr sz="1411" kern="1200">
+    <a:lvl7pPr marL="7438840" algn="l" defTabSz="2479613" rtl="0" eaLnBrk="1" latinLnBrk="0" hangingPunct="1">
+      <a:defRPr sz="3254" kern="1200">
         <a:solidFill>
           <a:schemeClr val="tx1"/>
         </a:solidFill>
@@ -441,8 +441,8 @@
         <a:cs typeface="+mn-cs"/>
       </a:defRPr>
     </a:lvl7pPr>
-    <a:lvl8pPr marL="3763670" algn="l" defTabSz="1075334" rtl="0" eaLnBrk="1" latinLnBrk="0" hangingPunct="1">
-      <a:defRPr sz="1411" kern="1200">
+    <a:lvl8pPr marL="8678647" algn="l" defTabSz="2479613" rtl="0" eaLnBrk="1" latinLnBrk="0" hangingPunct="1">
+      <a:defRPr sz="3254" kern="1200">
         <a:solidFill>
           <a:schemeClr val="tx1"/>
         </a:solidFill>
@@ -451,8 +451,8 @@
         <a:cs typeface="+mn-cs"/>
       </a:defRPr>
     </a:lvl8pPr>
-    <a:lvl9pPr marL="4301338" algn="l" defTabSz="1075334" rtl="0" eaLnBrk="1" latinLnBrk="0" hangingPunct="1">
-      <a:defRPr sz="1411" kern="1200">
+    <a:lvl9pPr marL="9918455" algn="l" defTabSz="2479613" rtl="0" eaLnBrk="1" latinLnBrk="0" hangingPunct="1">
+      <a:defRPr sz="3254" kern="1200">
         <a:solidFill>
           <a:schemeClr val="tx1"/>
         </a:solidFill>
@@ -492,7 +492,12 @@
             <p:ph type="sldImg"/>
           </p:nvPr>
         </p:nvSpPr>
-        <p:spPr/>
+        <p:spPr>
+          <a:xfrm>
+            <a:off x="2338388" y="1143000"/>
+            <a:ext cx="2181225" cy="3086100"/>
+          </a:xfrm>
+        </p:spPr>
       </p:sp>
       <p:sp>
         <p:nvSpPr>
@@ -578,15 +583,15 @@
         </p:nvSpPr>
         <p:spPr>
           <a:xfrm>
-            <a:off x="960120" y="1571308"/>
-            <a:ext cx="10881360" cy="3342640"/>
+            <a:off x="1603772" y="4954765"/>
+            <a:ext cx="18176081" cy="10540259"/>
           </a:xfrm>
         </p:spPr>
         <p:txBody>
           <a:bodyPr anchor="b"/>
           <a:lstStyle>
             <a:lvl1pPr algn="ctr">
-              <a:defRPr sz="8400"/>
+              <a:defRPr sz="14031"/>
             </a:lvl1pPr>
           </a:lstStyle>
           <a:p>
@@ -610,8 +615,8 @@
         </p:nvSpPr>
         <p:spPr>
           <a:xfrm>
-            <a:off x="1600200" y="5042853"/>
-            <a:ext cx="9601200" cy="2318067"/>
+            <a:off x="2672953" y="15901497"/>
+            <a:ext cx="16037719" cy="7309499"/>
           </a:xfrm>
         </p:spPr>
         <p:txBody>
@@ -619,39 +624,39 @@
           <a:lstStyle>
             <a:lvl1pPr marL="0" indent="0" algn="ctr">
               <a:buNone/>
-              <a:defRPr sz="3360"/>
+              <a:defRPr sz="5612"/>
             </a:lvl1pPr>
-            <a:lvl2pPr marL="640080" indent="0" algn="ctr">
+            <a:lvl2pPr marL="1069162" indent="0" algn="ctr">
               <a:buNone/>
-              <a:defRPr sz="2800"/>
+              <a:defRPr sz="4677"/>
             </a:lvl2pPr>
-            <a:lvl3pPr marL="1280160" indent="0" algn="ctr">
+            <a:lvl3pPr marL="2138324" indent="0" algn="ctr">
               <a:buNone/>
-              <a:defRPr sz="2520"/>
+              <a:defRPr sz="4209"/>
             </a:lvl3pPr>
-            <a:lvl4pPr marL="1920240" indent="0" algn="ctr">
+            <a:lvl4pPr marL="3207487" indent="0" algn="ctr">
               <a:buNone/>
-              <a:defRPr sz="2240"/>
+              <a:defRPr sz="3742"/>
             </a:lvl4pPr>
-            <a:lvl5pPr marL="2560320" indent="0" algn="ctr">
+            <a:lvl5pPr marL="4276649" indent="0" algn="ctr">
               <a:buNone/>
-              <a:defRPr sz="2240"/>
+              <a:defRPr sz="3742"/>
             </a:lvl5pPr>
-            <a:lvl6pPr marL="3200400" indent="0" algn="ctr">
+            <a:lvl6pPr marL="5345811" indent="0" algn="ctr">
               <a:buNone/>
-              <a:defRPr sz="2240"/>
+              <a:defRPr sz="3742"/>
             </a:lvl6pPr>
-            <a:lvl7pPr marL="3840480" indent="0" algn="ctr">
+            <a:lvl7pPr marL="6414973" indent="0" algn="ctr">
               <a:buNone/>
-              <a:defRPr sz="2240"/>
+              <a:defRPr sz="3742"/>
             </a:lvl7pPr>
-            <a:lvl8pPr marL="4480560" indent="0" algn="ctr">
+            <a:lvl8pPr marL="7484135" indent="0" algn="ctr">
               <a:buNone/>
-              <a:defRPr sz="2240"/>
+              <a:defRPr sz="3742"/>
             </a:lvl8pPr>
-            <a:lvl9pPr marL="5120640" indent="0" algn="ctr">
+            <a:lvl9pPr marL="8553298" indent="0" algn="ctr">
               <a:buNone/>
-              <a:defRPr sz="2240"/>
+              <a:defRPr sz="3742"/>
             </a:lvl9pPr>
           </a:lstStyle>
           <a:p>
@@ -680,7 +685,7 @@
           <a:p>
             <a:fld id="{4C2FD98A-B560-5C4B-BDA6-A3DF584C71B9}" type="datetimeFigureOut">
               <a:rPr lang="en-SE" smtClean="0"/>
-              <a:t>2023-02-02</a:t>
+              <a:t>2023-02-08</a:t>
             </a:fld>
             <a:endParaRPr lang="en-SE"/>
           </a:p>
@@ -731,7 +736,7 @@
     </p:spTree>
     <p:extLst>
       <p:ext uri="{BB962C8B-B14F-4D97-AF65-F5344CB8AC3E}">
-        <p14:creationId xmlns:p14="http://schemas.microsoft.com/office/powerpoint/2010/main" val="2399784060"/>
+        <p14:creationId xmlns:p14="http://schemas.microsoft.com/office/powerpoint/2010/main" val="4129988179"/>
       </p:ext>
     </p:extLst>
   </p:cSld>
@@ -850,7 +855,7 @@
           <a:p>
             <a:fld id="{4C2FD98A-B560-5C4B-BDA6-A3DF584C71B9}" type="datetimeFigureOut">
               <a:rPr lang="en-SE" smtClean="0"/>
-              <a:t>2023-02-02</a:t>
+              <a:t>2023-02-08</a:t>
             </a:fld>
             <a:endParaRPr lang="en-SE"/>
           </a:p>
@@ -901,7 +906,7 @@
     </p:spTree>
     <p:extLst>
       <p:ext uri="{BB962C8B-B14F-4D97-AF65-F5344CB8AC3E}">
-        <p14:creationId xmlns:p14="http://schemas.microsoft.com/office/powerpoint/2010/main" val="927217916"/>
+        <p14:creationId xmlns:p14="http://schemas.microsoft.com/office/powerpoint/2010/main" val="3678334039"/>
       </p:ext>
     </p:extLst>
   </p:cSld>
@@ -940,8 +945,8 @@
         </p:nvSpPr>
         <p:spPr>
           <a:xfrm>
-            <a:off x="9161146" y="511175"/>
-            <a:ext cx="2760345" cy="8136573"/>
+            <a:off x="15302658" y="1611875"/>
+            <a:ext cx="4610844" cy="25656844"/>
           </a:xfrm>
         </p:spPr>
         <p:txBody>
@@ -968,8 +973,8 @@
         </p:nvSpPr>
         <p:spPr>
           <a:xfrm>
-            <a:off x="880111" y="511175"/>
-            <a:ext cx="8121015" cy="8136573"/>
+            <a:off x="1470125" y="1611875"/>
+            <a:ext cx="13565237" cy="25656844"/>
           </a:xfrm>
         </p:spPr>
         <p:txBody>
@@ -1030,7 +1035,7 @@
           <a:p>
             <a:fld id="{4C2FD98A-B560-5C4B-BDA6-A3DF584C71B9}" type="datetimeFigureOut">
               <a:rPr lang="en-SE" smtClean="0"/>
-              <a:t>2023-02-02</a:t>
+              <a:t>2023-02-08</a:t>
             </a:fld>
             <a:endParaRPr lang="en-SE"/>
           </a:p>
@@ -1081,7 +1086,7 @@
     </p:spTree>
     <p:extLst>
       <p:ext uri="{BB962C8B-B14F-4D97-AF65-F5344CB8AC3E}">
-        <p14:creationId xmlns:p14="http://schemas.microsoft.com/office/powerpoint/2010/main" val="1709653652"/>
+        <p14:creationId xmlns:p14="http://schemas.microsoft.com/office/powerpoint/2010/main" val="1477500433"/>
       </p:ext>
     </p:extLst>
   </p:cSld>
@@ -1200,7 +1205,7 @@
           <a:p>
             <a:fld id="{4C2FD98A-B560-5C4B-BDA6-A3DF584C71B9}" type="datetimeFigureOut">
               <a:rPr lang="en-SE" smtClean="0"/>
-              <a:t>2023-02-02</a:t>
+              <a:t>2023-02-08</a:t>
             </a:fld>
             <a:endParaRPr lang="en-SE"/>
           </a:p>
@@ -1251,7 +1256,7 @@
     </p:spTree>
     <p:extLst>
       <p:ext uri="{BB962C8B-B14F-4D97-AF65-F5344CB8AC3E}">
-        <p14:creationId xmlns:p14="http://schemas.microsoft.com/office/powerpoint/2010/main" val="3632342453"/>
+        <p14:creationId xmlns:p14="http://schemas.microsoft.com/office/powerpoint/2010/main" val="4032116321"/>
       </p:ext>
     </p:extLst>
   </p:cSld>
@@ -1290,15 +1295,15 @@
         </p:nvSpPr>
         <p:spPr>
           <a:xfrm>
-            <a:off x="873443" y="2393635"/>
-            <a:ext cx="11041380" cy="3993832"/>
+            <a:off x="1458988" y="7547788"/>
+            <a:ext cx="18443377" cy="12593645"/>
           </a:xfrm>
         </p:spPr>
         <p:txBody>
           <a:bodyPr anchor="b"/>
           <a:lstStyle>
             <a:lvl1pPr>
-              <a:defRPr sz="8400"/>
+              <a:defRPr sz="14031"/>
             </a:lvl1pPr>
           </a:lstStyle>
           <a:p>
@@ -1322,8 +1327,8 @@
         </p:nvSpPr>
         <p:spPr>
           <a:xfrm>
-            <a:off x="873443" y="6425250"/>
-            <a:ext cx="11041380" cy="2100262"/>
+            <a:off x="1458988" y="20260574"/>
+            <a:ext cx="18443377" cy="6622701"/>
           </a:xfrm>
         </p:spPr>
         <p:txBody>
@@ -1331,15 +1336,15 @@
           <a:lstStyle>
             <a:lvl1pPr marL="0" indent="0">
               <a:buNone/>
-              <a:defRPr sz="3360">
+              <a:defRPr sz="5612">
                 <a:solidFill>
                   <a:schemeClr val="tx1"/>
                 </a:solidFill>
               </a:defRPr>
             </a:lvl1pPr>
-            <a:lvl2pPr marL="640080" indent="0">
+            <a:lvl2pPr marL="1069162" indent="0">
               <a:buNone/>
-              <a:defRPr sz="2800">
+              <a:defRPr sz="4677">
                 <a:solidFill>
                   <a:schemeClr val="tx1">
                     <a:tint val="75000"/>
@@ -1347,9 +1352,9 @@
                 </a:solidFill>
               </a:defRPr>
             </a:lvl2pPr>
-            <a:lvl3pPr marL="1280160" indent="0">
+            <a:lvl3pPr marL="2138324" indent="0">
               <a:buNone/>
-              <a:defRPr sz="2520">
+              <a:defRPr sz="4209">
                 <a:solidFill>
                   <a:schemeClr val="tx1">
                     <a:tint val="75000"/>
@@ -1357,9 +1362,9 @@
                 </a:solidFill>
               </a:defRPr>
             </a:lvl3pPr>
-            <a:lvl4pPr marL="1920240" indent="0">
+            <a:lvl4pPr marL="3207487" indent="0">
               <a:buNone/>
-              <a:defRPr sz="2240">
+              <a:defRPr sz="3742">
                 <a:solidFill>
                   <a:schemeClr val="tx1">
                     <a:tint val="75000"/>
@@ -1367,9 +1372,9 @@
                 </a:solidFill>
               </a:defRPr>
             </a:lvl4pPr>
-            <a:lvl5pPr marL="2560320" indent="0">
+            <a:lvl5pPr marL="4276649" indent="0">
               <a:buNone/>
-              <a:defRPr sz="2240">
+              <a:defRPr sz="3742">
                 <a:solidFill>
                   <a:schemeClr val="tx1">
                     <a:tint val="75000"/>
@@ -1377,9 +1382,9 @@
                 </a:solidFill>
               </a:defRPr>
             </a:lvl5pPr>
-            <a:lvl6pPr marL="3200400" indent="0">
+            <a:lvl6pPr marL="5345811" indent="0">
               <a:buNone/>
-              <a:defRPr sz="2240">
+              <a:defRPr sz="3742">
                 <a:solidFill>
                   <a:schemeClr val="tx1">
                     <a:tint val="75000"/>
@@ -1387,9 +1392,9 @@
                 </a:solidFill>
               </a:defRPr>
             </a:lvl6pPr>
-            <a:lvl7pPr marL="3840480" indent="0">
+            <a:lvl7pPr marL="6414973" indent="0">
               <a:buNone/>
-              <a:defRPr sz="2240">
+              <a:defRPr sz="3742">
                 <a:solidFill>
                   <a:schemeClr val="tx1">
                     <a:tint val="75000"/>
@@ -1397,9 +1402,9 @@
                 </a:solidFill>
               </a:defRPr>
             </a:lvl7pPr>
-            <a:lvl8pPr marL="4480560" indent="0">
+            <a:lvl8pPr marL="7484135" indent="0">
               <a:buNone/>
-              <a:defRPr sz="2240">
+              <a:defRPr sz="3742">
                 <a:solidFill>
                   <a:schemeClr val="tx1">
                     <a:tint val="75000"/>
@@ -1407,9 +1412,9 @@
                 </a:solidFill>
               </a:defRPr>
             </a:lvl8pPr>
-            <a:lvl9pPr marL="5120640" indent="0">
+            <a:lvl9pPr marL="8553298" indent="0">
               <a:buNone/>
-              <a:defRPr sz="2240">
+              <a:defRPr sz="3742">
                 <a:solidFill>
                   <a:schemeClr val="tx1">
                     <a:tint val="75000"/>
@@ -1444,7 +1449,7 @@
           <a:p>
             <a:fld id="{4C2FD98A-B560-5C4B-BDA6-A3DF584C71B9}" type="datetimeFigureOut">
               <a:rPr lang="en-SE" smtClean="0"/>
-              <a:t>2023-02-02</a:t>
+              <a:t>2023-02-08</a:t>
             </a:fld>
             <a:endParaRPr lang="en-SE"/>
           </a:p>
@@ -1495,7 +1500,7 @@
     </p:spTree>
     <p:extLst>
       <p:ext uri="{BB962C8B-B14F-4D97-AF65-F5344CB8AC3E}">
-        <p14:creationId xmlns:p14="http://schemas.microsoft.com/office/powerpoint/2010/main" val="3428943265"/>
+        <p14:creationId xmlns:p14="http://schemas.microsoft.com/office/powerpoint/2010/main" val="164773548"/>
       </p:ext>
     </p:extLst>
   </p:cSld>
@@ -1557,8 +1562,8 @@
         </p:nvSpPr>
         <p:spPr>
           <a:xfrm>
-            <a:off x="880110" y="2555875"/>
-            <a:ext cx="5440680" cy="6091873"/>
+            <a:off x="1470124" y="8059374"/>
+            <a:ext cx="9088041" cy="19209345"/>
           </a:xfrm>
         </p:spPr>
         <p:txBody>
@@ -1614,8 +1619,8 @@
         </p:nvSpPr>
         <p:spPr>
           <a:xfrm>
-            <a:off x="6480810" y="2555875"/>
-            <a:ext cx="5440680" cy="6091873"/>
+            <a:off x="10825460" y="8059374"/>
+            <a:ext cx="9088041" cy="19209345"/>
           </a:xfrm>
         </p:spPr>
         <p:txBody>
@@ -1676,7 +1681,7 @@
           <a:p>
             <a:fld id="{4C2FD98A-B560-5C4B-BDA6-A3DF584C71B9}" type="datetimeFigureOut">
               <a:rPr lang="en-SE" smtClean="0"/>
-              <a:t>2023-02-02</a:t>
+              <a:t>2023-02-08</a:t>
             </a:fld>
             <a:endParaRPr lang="en-SE"/>
           </a:p>
@@ -1727,7 +1732,7 @@
     </p:spTree>
     <p:extLst>
       <p:ext uri="{BB962C8B-B14F-4D97-AF65-F5344CB8AC3E}">
-        <p14:creationId xmlns:p14="http://schemas.microsoft.com/office/powerpoint/2010/main" val="1081837365"/>
+        <p14:creationId xmlns:p14="http://schemas.microsoft.com/office/powerpoint/2010/main" val="2347815619"/>
       </p:ext>
     </p:extLst>
   </p:cSld>
@@ -1766,8 +1771,8 @@
         </p:nvSpPr>
         <p:spPr>
           <a:xfrm>
-            <a:off x="881777" y="511177"/>
-            <a:ext cx="11041380" cy="1855788"/>
+            <a:off x="1472909" y="1611882"/>
+            <a:ext cx="18443377" cy="5851808"/>
           </a:xfrm>
         </p:spPr>
         <p:txBody>
@@ -1794,8 +1799,8 @@
         </p:nvSpPr>
         <p:spPr>
           <a:xfrm>
-            <a:off x="881779" y="2353628"/>
-            <a:ext cx="5415676" cy="1153477"/>
+            <a:off x="1472912" y="7421634"/>
+            <a:ext cx="9046274" cy="3637228"/>
           </a:xfrm>
         </p:spPr>
         <p:txBody>
@@ -1803,39 +1808,39 @@
           <a:lstStyle>
             <a:lvl1pPr marL="0" indent="0">
               <a:buNone/>
-              <a:defRPr sz="3360" b="1"/>
+              <a:defRPr sz="5612" b="1"/>
             </a:lvl1pPr>
-            <a:lvl2pPr marL="640080" indent="0">
+            <a:lvl2pPr marL="1069162" indent="0">
               <a:buNone/>
-              <a:defRPr sz="2800" b="1"/>
+              <a:defRPr sz="4677" b="1"/>
             </a:lvl2pPr>
-            <a:lvl3pPr marL="1280160" indent="0">
+            <a:lvl3pPr marL="2138324" indent="0">
               <a:buNone/>
-              <a:defRPr sz="2520" b="1"/>
+              <a:defRPr sz="4209" b="1"/>
             </a:lvl3pPr>
-            <a:lvl4pPr marL="1920240" indent="0">
+            <a:lvl4pPr marL="3207487" indent="0">
               <a:buNone/>
-              <a:defRPr sz="2240" b="1"/>
+              <a:defRPr sz="3742" b="1"/>
             </a:lvl4pPr>
-            <a:lvl5pPr marL="2560320" indent="0">
+            <a:lvl5pPr marL="4276649" indent="0">
               <a:buNone/>
-              <a:defRPr sz="2240" b="1"/>
+              <a:defRPr sz="3742" b="1"/>
             </a:lvl5pPr>
-            <a:lvl6pPr marL="3200400" indent="0">
+            <a:lvl6pPr marL="5345811" indent="0">
               <a:buNone/>
-              <a:defRPr sz="2240" b="1"/>
+              <a:defRPr sz="3742" b="1"/>
             </a:lvl6pPr>
-            <a:lvl7pPr marL="3840480" indent="0">
+            <a:lvl7pPr marL="6414973" indent="0">
               <a:buNone/>
-              <a:defRPr sz="2240" b="1"/>
+              <a:defRPr sz="3742" b="1"/>
             </a:lvl7pPr>
-            <a:lvl8pPr marL="4480560" indent="0">
+            <a:lvl8pPr marL="7484135" indent="0">
               <a:buNone/>
-              <a:defRPr sz="2240" b="1"/>
+              <a:defRPr sz="3742" b="1"/>
             </a:lvl8pPr>
-            <a:lvl9pPr marL="5120640" indent="0">
+            <a:lvl9pPr marL="8553298" indent="0">
               <a:buNone/>
-              <a:defRPr sz="2240" b="1"/>
+              <a:defRPr sz="3742" b="1"/>
             </a:lvl9pPr>
           </a:lstStyle>
           <a:p>
@@ -1859,8 +1864,8 @@
         </p:nvSpPr>
         <p:spPr>
           <a:xfrm>
-            <a:off x="881779" y="3507105"/>
-            <a:ext cx="5415676" cy="5158423"/>
+            <a:off x="1472912" y="11058863"/>
+            <a:ext cx="9046274" cy="16265921"/>
           </a:xfrm>
         </p:spPr>
         <p:txBody>
@@ -1916,8 +1921,8 @@
         </p:nvSpPr>
         <p:spPr>
           <a:xfrm>
-            <a:off x="6480811" y="2353628"/>
-            <a:ext cx="5442347" cy="1153477"/>
+            <a:off x="10825461" y="7421634"/>
+            <a:ext cx="9090826" cy="3637228"/>
           </a:xfrm>
         </p:spPr>
         <p:txBody>
@@ -1925,39 +1930,39 @@
           <a:lstStyle>
             <a:lvl1pPr marL="0" indent="0">
               <a:buNone/>
-              <a:defRPr sz="3360" b="1"/>
+              <a:defRPr sz="5612" b="1"/>
             </a:lvl1pPr>
-            <a:lvl2pPr marL="640080" indent="0">
+            <a:lvl2pPr marL="1069162" indent="0">
               <a:buNone/>
-              <a:defRPr sz="2800" b="1"/>
+              <a:defRPr sz="4677" b="1"/>
             </a:lvl2pPr>
-            <a:lvl3pPr marL="1280160" indent="0">
+            <a:lvl3pPr marL="2138324" indent="0">
               <a:buNone/>
-              <a:defRPr sz="2520" b="1"/>
+              <a:defRPr sz="4209" b="1"/>
             </a:lvl3pPr>
-            <a:lvl4pPr marL="1920240" indent="0">
+            <a:lvl4pPr marL="3207487" indent="0">
               <a:buNone/>
-              <a:defRPr sz="2240" b="1"/>
+              <a:defRPr sz="3742" b="1"/>
             </a:lvl4pPr>
-            <a:lvl5pPr marL="2560320" indent="0">
+            <a:lvl5pPr marL="4276649" indent="0">
               <a:buNone/>
-              <a:defRPr sz="2240" b="1"/>
+              <a:defRPr sz="3742" b="1"/>
             </a:lvl5pPr>
-            <a:lvl6pPr marL="3200400" indent="0">
+            <a:lvl6pPr marL="5345811" indent="0">
               <a:buNone/>
-              <a:defRPr sz="2240" b="1"/>
+              <a:defRPr sz="3742" b="1"/>
             </a:lvl6pPr>
-            <a:lvl7pPr marL="3840480" indent="0">
+            <a:lvl7pPr marL="6414973" indent="0">
               <a:buNone/>
-              <a:defRPr sz="2240" b="1"/>
+              <a:defRPr sz="3742" b="1"/>
             </a:lvl7pPr>
-            <a:lvl8pPr marL="4480560" indent="0">
+            <a:lvl8pPr marL="7484135" indent="0">
               <a:buNone/>
-              <a:defRPr sz="2240" b="1"/>
+              <a:defRPr sz="3742" b="1"/>
             </a:lvl8pPr>
-            <a:lvl9pPr marL="5120640" indent="0">
+            <a:lvl9pPr marL="8553298" indent="0">
               <a:buNone/>
-              <a:defRPr sz="2240" b="1"/>
+              <a:defRPr sz="3742" b="1"/>
             </a:lvl9pPr>
           </a:lstStyle>
           <a:p>
@@ -1981,8 +1986,8 @@
         </p:nvSpPr>
         <p:spPr>
           <a:xfrm>
-            <a:off x="6480811" y="3507105"/>
-            <a:ext cx="5442347" cy="5158423"/>
+            <a:off x="10825461" y="11058863"/>
+            <a:ext cx="9090826" cy="16265921"/>
           </a:xfrm>
         </p:spPr>
         <p:txBody>
@@ -2043,7 +2048,7 @@
           <a:p>
             <a:fld id="{4C2FD98A-B560-5C4B-BDA6-A3DF584C71B9}" type="datetimeFigureOut">
               <a:rPr lang="en-SE" smtClean="0"/>
-              <a:t>2023-02-02</a:t>
+              <a:t>2023-02-08</a:t>
             </a:fld>
             <a:endParaRPr lang="en-SE"/>
           </a:p>
@@ -2094,7 +2099,7 @@
     </p:spTree>
     <p:extLst>
       <p:ext uri="{BB962C8B-B14F-4D97-AF65-F5344CB8AC3E}">
-        <p14:creationId xmlns:p14="http://schemas.microsoft.com/office/powerpoint/2010/main" val="4057181898"/>
+        <p14:creationId xmlns:p14="http://schemas.microsoft.com/office/powerpoint/2010/main" val="2667590488"/>
       </p:ext>
     </p:extLst>
   </p:cSld>
@@ -2161,7 +2166,7 @@
           <a:p>
             <a:fld id="{4C2FD98A-B560-5C4B-BDA6-A3DF584C71B9}" type="datetimeFigureOut">
               <a:rPr lang="en-SE" smtClean="0"/>
-              <a:t>2023-02-02</a:t>
+              <a:t>2023-02-08</a:t>
             </a:fld>
             <a:endParaRPr lang="en-SE"/>
           </a:p>
@@ -2212,7 +2217,7 @@
     </p:spTree>
     <p:extLst>
       <p:ext uri="{BB962C8B-B14F-4D97-AF65-F5344CB8AC3E}">
-        <p14:creationId xmlns:p14="http://schemas.microsoft.com/office/powerpoint/2010/main" val="3714866828"/>
+        <p14:creationId xmlns:p14="http://schemas.microsoft.com/office/powerpoint/2010/main" val="1654469125"/>
       </p:ext>
     </p:extLst>
   </p:cSld>
@@ -2256,7 +2261,7 @@
           <a:p>
             <a:fld id="{4C2FD98A-B560-5C4B-BDA6-A3DF584C71B9}" type="datetimeFigureOut">
               <a:rPr lang="en-SE" smtClean="0"/>
-              <a:t>2023-02-02</a:t>
+              <a:t>2023-02-08</a:t>
             </a:fld>
             <a:endParaRPr lang="en-SE"/>
           </a:p>
@@ -2307,7 +2312,7 @@
     </p:spTree>
     <p:extLst>
       <p:ext uri="{BB962C8B-B14F-4D97-AF65-F5344CB8AC3E}">
-        <p14:creationId xmlns:p14="http://schemas.microsoft.com/office/powerpoint/2010/main" val="2389214210"/>
+        <p14:creationId xmlns:p14="http://schemas.microsoft.com/office/powerpoint/2010/main" val="1820195000"/>
       </p:ext>
     </p:extLst>
   </p:cSld>
@@ -2346,15 +2351,15 @@
         </p:nvSpPr>
         <p:spPr>
           <a:xfrm>
-            <a:off x="881778" y="640080"/>
-            <a:ext cx="4128849" cy="2240280"/>
+            <a:off x="1472909" y="2018348"/>
+            <a:ext cx="6896776" cy="7064216"/>
           </a:xfrm>
         </p:spPr>
         <p:txBody>
           <a:bodyPr anchor="b"/>
           <a:lstStyle>
             <a:lvl1pPr>
-              <a:defRPr sz="4480"/>
+              <a:defRPr sz="7483"/>
             </a:lvl1pPr>
           </a:lstStyle>
           <a:p>
@@ -2378,39 +2383,39 @@
         </p:nvSpPr>
         <p:spPr>
           <a:xfrm>
-            <a:off x="5442347" y="1382397"/>
-            <a:ext cx="6480810" cy="6823075"/>
+            <a:off x="9090826" y="4359077"/>
+            <a:ext cx="10825460" cy="21515024"/>
           </a:xfrm>
         </p:spPr>
         <p:txBody>
           <a:bodyPr/>
           <a:lstStyle>
             <a:lvl1pPr>
-              <a:defRPr sz="4480"/>
+              <a:defRPr sz="7483"/>
             </a:lvl1pPr>
             <a:lvl2pPr>
-              <a:defRPr sz="3920"/>
+              <a:defRPr sz="6548"/>
             </a:lvl2pPr>
             <a:lvl3pPr>
-              <a:defRPr sz="3360"/>
+              <a:defRPr sz="5612"/>
             </a:lvl3pPr>
             <a:lvl4pPr>
-              <a:defRPr sz="2800"/>
+              <a:defRPr sz="4677"/>
             </a:lvl4pPr>
             <a:lvl5pPr>
-              <a:defRPr sz="2800"/>
+              <a:defRPr sz="4677"/>
             </a:lvl5pPr>
             <a:lvl6pPr>
-              <a:defRPr sz="2800"/>
+              <a:defRPr sz="4677"/>
             </a:lvl6pPr>
             <a:lvl7pPr>
-              <a:defRPr sz="2800"/>
+              <a:defRPr sz="4677"/>
             </a:lvl7pPr>
             <a:lvl8pPr>
-              <a:defRPr sz="2800"/>
+              <a:defRPr sz="4677"/>
             </a:lvl8pPr>
             <a:lvl9pPr>
-              <a:defRPr sz="2800"/>
+              <a:defRPr sz="4677"/>
             </a:lvl9pPr>
           </a:lstStyle>
           <a:p>
@@ -2463,8 +2468,8 @@
         </p:nvSpPr>
         <p:spPr>
           <a:xfrm>
-            <a:off x="881778" y="2880360"/>
-            <a:ext cx="4128849" cy="5336223"/>
+            <a:off x="1472909" y="9082564"/>
+            <a:ext cx="6896776" cy="16826573"/>
           </a:xfrm>
         </p:spPr>
         <p:txBody>
@@ -2472,39 +2477,39 @@
           <a:lstStyle>
             <a:lvl1pPr marL="0" indent="0">
               <a:buNone/>
-              <a:defRPr sz="2240"/>
+              <a:defRPr sz="3742"/>
             </a:lvl1pPr>
-            <a:lvl2pPr marL="640080" indent="0">
+            <a:lvl2pPr marL="1069162" indent="0">
               <a:buNone/>
-              <a:defRPr sz="1960"/>
+              <a:defRPr sz="3274"/>
             </a:lvl2pPr>
-            <a:lvl3pPr marL="1280160" indent="0">
+            <a:lvl3pPr marL="2138324" indent="0">
               <a:buNone/>
-              <a:defRPr sz="1680"/>
+              <a:defRPr sz="2806"/>
             </a:lvl3pPr>
-            <a:lvl4pPr marL="1920240" indent="0">
+            <a:lvl4pPr marL="3207487" indent="0">
               <a:buNone/>
-              <a:defRPr sz="1400"/>
+              <a:defRPr sz="2339"/>
             </a:lvl4pPr>
-            <a:lvl5pPr marL="2560320" indent="0">
+            <a:lvl5pPr marL="4276649" indent="0">
               <a:buNone/>
-              <a:defRPr sz="1400"/>
+              <a:defRPr sz="2339"/>
             </a:lvl5pPr>
-            <a:lvl6pPr marL="3200400" indent="0">
+            <a:lvl6pPr marL="5345811" indent="0">
               <a:buNone/>
-              <a:defRPr sz="1400"/>
+              <a:defRPr sz="2339"/>
             </a:lvl6pPr>
-            <a:lvl7pPr marL="3840480" indent="0">
+            <a:lvl7pPr marL="6414973" indent="0">
               <a:buNone/>
-              <a:defRPr sz="1400"/>
+              <a:defRPr sz="2339"/>
             </a:lvl7pPr>
-            <a:lvl8pPr marL="4480560" indent="0">
+            <a:lvl8pPr marL="7484135" indent="0">
               <a:buNone/>
-              <a:defRPr sz="1400"/>
+              <a:defRPr sz="2339"/>
             </a:lvl8pPr>
-            <a:lvl9pPr marL="5120640" indent="0">
+            <a:lvl9pPr marL="8553298" indent="0">
               <a:buNone/>
-              <a:defRPr sz="1400"/>
+              <a:defRPr sz="2339"/>
             </a:lvl9pPr>
           </a:lstStyle>
           <a:p>
@@ -2533,7 +2538,7 @@
           <a:p>
             <a:fld id="{4C2FD98A-B560-5C4B-BDA6-A3DF584C71B9}" type="datetimeFigureOut">
               <a:rPr lang="en-SE" smtClean="0"/>
-              <a:t>2023-02-02</a:t>
+              <a:t>2023-02-08</a:t>
             </a:fld>
             <a:endParaRPr lang="en-SE"/>
           </a:p>
@@ -2584,7 +2589,7 @@
     </p:spTree>
     <p:extLst>
       <p:ext uri="{BB962C8B-B14F-4D97-AF65-F5344CB8AC3E}">
-        <p14:creationId xmlns:p14="http://schemas.microsoft.com/office/powerpoint/2010/main" val="2069543378"/>
+        <p14:creationId xmlns:p14="http://schemas.microsoft.com/office/powerpoint/2010/main" val="2478010987"/>
       </p:ext>
     </p:extLst>
   </p:cSld>
@@ -2623,15 +2628,15 @@
         </p:nvSpPr>
         <p:spPr>
           <a:xfrm>
-            <a:off x="881778" y="640080"/>
-            <a:ext cx="4128849" cy="2240280"/>
+            <a:off x="1472909" y="2018348"/>
+            <a:ext cx="6896776" cy="7064216"/>
           </a:xfrm>
         </p:spPr>
         <p:txBody>
           <a:bodyPr anchor="b"/>
           <a:lstStyle>
             <a:lvl1pPr>
-              <a:defRPr sz="4480"/>
+              <a:defRPr sz="7483"/>
             </a:lvl1pPr>
           </a:lstStyle>
           <a:p>
@@ -2655,8 +2660,8 @@
         </p:nvSpPr>
         <p:spPr>
           <a:xfrm>
-            <a:off x="5442347" y="1382397"/>
-            <a:ext cx="6480810" cy="6823075"/>
+            <a:off x="9090826" y="4359077"/>
+            <a:ext cx="10825460" cy="21515024"/>
           </a:xfrm>
         </p:spPr>
         <p:txBody>
@@ -2664,39 +2669,39 @@
           <a:lstStyle>
             <a:lvl1pPr marL="0" indent="0">
               <a:buNone/>
-              <a:defRPr sz="4480"/>
+              <a:defRPr sz="7483"/>
             </a:lvl1pPr>
-            <a:lvl2pPr marL="640080" indent="0">
+            <a:lvl2pPr marL="1069162" indent="0">
               <a:buNone/>
-              <a:defRPr sz="3920"/>
+              <a:defRPr sz="6548"/>
             </a:lvl2pPr>
-            <a:lvl3pPr marL="1280160" indent="0">
+            <a:lvl3pPr marL="2138324" indent="0">
               <a:buNone/>
-              <a:defRPr sz="3360"/>
+              <a:defRPr sz="5612"/>
             </a:lvl3pPr>
-            <a:lvl4pPr marL="1920240" indent="0">
+            <a:lvl4pPr marL="3207487" indent="0">
               <a:buNone/>
-              <a:defRPr sz="2800"/>
+              <a:defRPr sz="4677"/>
             </a:lvl4pPr>
-            <a:lvl5pPr marL="2560320" indent="0">
+            <a:lvl5pPr marL="4276649" indent="0">
               <a:buNone/>
-              <a:defRPr sz="2800"/>
+              <a:defRPr sz="4677"/>
             </a:lvl5pPr>
-            <a:lvl6pPr marL="3200400" indent="0">
+            <a:lvl6pPr marL="5345811" indent="0">
               <a:buNone/>
-              <a:defRPr sz="2800"/>
+              <a:defRPr sz="4677"/>
             </a:lvl6pPr>
-            <a:lvl7pPr marL="3840480" indent="0">
+            <a:lvl7pPr marL="6414973" indent="0">
               <a:buNone/>
-              <a:defRPr sz="2800"/>
+              <a:defRPr sz="4677"/>
             </a:lvl7pPr>
-            <a:lvl8pPr marL="4480560" indent="0">
+            <a:lvl8pPr marL="7484135" indent="0">
               <a:buNone/>
-              <a:defRPr sz="2800"/>
+              <a:defRPr sz="4677"/>
             </a:lvl8pPr>
-            <a:lvl9pPr marL="5120640" indent="0">
+            <a:lvl9pPr marL="8553298" indent="0">
               <a:buNone/>
-              <a:defRPr sz="2800"/>
+              <a:defRPr sz="4677"/>
             </a:lvl9pPr>
           </a:lstStyle>
           <a:p>
@@ -2720,8 +2725,8 @@
         </p:nvSpPr>
         <p:spPr>
           <a:xfrm>
-            <a:off x="881778" y="2880360"/>
-            <a:ext cx="4128849" cy="5336223"/>
+            <a:off x="1472909" y="9082564"/>
+            <a:ext cx="6896776" cy="16826573"/>
           </a:xfrm>
         </p:spPr>
         <p:txBody>
@@ -2729,39 +2734,39 @@
           <a:lstStyle>
             <a:lvl1pPr marL="0" indent="0">
               <a:buNone/>
-              <a:defRPr sz="2240"/>
+              <a:defRPr sz="3742"/>
             </a:lvl1pPr>
-            <a:lvl2pPr marL="640080" indent="0">
+            <a:lvl2pPr marL="1069162" indent="0">
               <a:buNone/>
-              <a:defRPr sz="1960"/>
+              <a:defRPr sz="3274"/>
             </a:lvl2pPr>
-            <a:lvl3pPr marL="1280160" indent="0">
+            <a:lvl3pPr marL="2138324" indent="0">
               <a:buNone/>
-              <a:defRPr sz="1680"/>
+              <a:defRPr sz="2806"/>
             </a:lvl3pPr>
-            <a:lvl4pPr marL="1920240" indent="0">
+            <a:lvl4pPr marL="3207487" indent="0">
               <a:buNone/>
-              <a:defRPr sz="1400"/>
+              <a:defRPr sz="2339"/>
             </a:lvl4pPr>
-            <a:lvl5pPr marL="2560320" indent="0">
+            <a:lvl5pPr marL="4276649" indent="0">
               <a:buNone/>
-              <a:defRPr sz="1400"/>
+              <a:defRPr sz="2339"/>
             </a:lvl5pPr>
-            <a:lvl6pPr marL="3200400" indent="0">
+            <a:lvl6pPr marL="5345811" indent="0">
               <a:buNone/>
-              <a:defRPr sz="1400"/>
+              <a:defRPr sz="2339"/>
             </a:lvl6pPr>
-            <a:lvl7pPr marL="3840480" indent="0">
+            <a:lvl7pPr marL="6414973" indent="0">
               <a:buNone/>
-              <a:defRPr sz="1400"/>
+              <a:defRPr sz="2339"/>
             </a:lvl7pPr>
-            <a:lvl8pPr marL="4480560" indent="0">
+            <a:lvl8pPr marL="7484135" indent="0">
               <a:buNone/>
-              <a:defRPr sz="1400"/>
+              <a:defRPr sz="2339"/>
             </a:lvl8pPr>
-            <a:lvl9pPr marL="5120640" indent="0">
+            <a:lvl9pPr marL="8553298" indent="0">
               <a:buNone/>
-              <a:defRPr sz="1400"/>
+              <a:defRPr sz="2339"/>
             </a:lvl9pPr>
           </a:lstStyle>
           <a:p>
@@ -2790,7 +2795,7 @@
           <a:p>
             <a:fld id="{4C2FD98A-B560-5C4B-BDA6-A3DF584C71B9}" type="datetimeFigureOut">
               <a:rPr lang="en-SE" smtClean="0"/>
-              <a:t>2023-02-02</a:t>
+              <a:t>2023-02-08</a:t>
             </a:fld>
             <a:endParaRPr lang="en-SE"/>
           </a:p>
@@ -2841,7 +2846,7 @@
     </p:spTree>
     <p:extLst>
       <p:ext uri="{BB962C8B-B14F-4D97-AF65-F5344CB8AC3E}">
-        <p14:creationId xmlns:p14="http://schemas.microsoft.com/office/powerpoint/2010/main" val="2743785166"/>
+        <p14:creationId xmlns:p14="http://schemas.microsoft.com/office/powerpoint/2010/main" val="1173405767"/>
       </p:ext>
     </p:extLst>
   </p:cSld>
@@ -2885,8 +2890,8 @@
         </p:nvSpPr>
         <p:spPr>
           <a:xfrm>
-            <a:off x="880110" y="511177"/>
-            <a:ext cx="11041380" cy="1855788"/>
+            <a:off x="1470124" y="1611882"/>
+            <a:ext cx="18443377" cy="5851808"/>
           </a:xfrm>
           <a:prstGeom prst="rect">
             <a:avLst/>
@@ -2918,8 +2923,8 @@
         </p:nvSpPr>
         <p:spPr>
           <a:xfrm>
-            <a:off x="880110" y="2555875"/>
-            <a:ext cx="11041380" cy="6091873"/>
+            <a:off x="1470124" y="8059374"/>
+            <a:ext cx="18443377" cy="19209345"/>
           </a:xfrm>
           <a:prstGeom prst="rect">
             <a:avLst/>
@@ -2980,8 +2985,8 @@
         </p:nvSpPr>
         <p:spPr>
           <a:xfrm>
-            <a:off x="880110" y="8898892"/>
-            <a:ext cx="2880360" cy="511175"/>
+            <a:off x="1470124" y="28060644"/>
+            <a:ext cx="4811316" cy="1611875"/>
           </a:xfrm>
           <a:prstGeom prst="rect">
             <a:avLst/>
@@ -2991,7 +2996,7 @@
           <a:bodyPr vert="horz" lIns="91440" tIns="45720" rIns="91440" bIns="45720" rtlCol="0" anchor="ctr"/>
           <a:lstStyle>
             <a:lvl1pPr algn="l">
-              <a:defRPr sz="1680">
+              <a:defRPr sz="2806">
                 <a:solidFill>
                   <a:schemeClr val="tx1">
                     <a:tint val="75000"/>
@@ -3003,7 +3008,7 @@
           <a:p>
             <a:fld id="{4C2FD98A-B560-5C4B-BDA6-A3DF584C71B9}" type="datetimeFigureOut">
               <a:rPr lang="en-SE" smtClean="0"/>
-              <a:t>2023-02-02</a:t>
+              <a:t>2023-02-08</a:t>
             </a:fld>
             <a:endParaRPr lang="en-SE"/>
           </a:p>
@@ -3021,8 +3026,8 @@
         </p:nvSpPr>
         <p:spPr>
           <a:xfrm>
-            <a:off x="4240530" y="8898892"/>
-            <a:ext cx="4320540" cy="511175"/>
+            <a:off x="7083326" y="28060644"/>
+            <a:ext cx="7216973" cy="1611875"/>
           </a:xfrm>
           <a:prstGeom prst="rect">
             <a:avLst/>
@@ -3032,7 +3037,7 @@
           <a:bodyPr vert="horz" lIns="91440" tIns="45720" rIns="91440" bIns="45720" rtlCol="0" anchor="ctr"/>
           <a:lstStyle>
             <a:lvl1pPr algn="ctr">
-              <a:defRPr sz="1680">
+              <a:defRPr sz="2806">
                 <a:solidFill>
                   <a:schemeClr val="tx1">
                     <a:tint val="75000"/>
@@ -3058,8 +3063,8 @@
         </p:nvSpPr>
         <p:spPr>
           <a:xfrm>
-            <a:off x="9041130" y="8898892"/>
-            <a:ext cx="2880360" cy="511175"/>
+            <a:off x="15102185" y="28060644"/>
+            <a:ext cx="4811316" cy="1611875"/>
           </a:xfrm>
           <a:prstGeom prst="rect">
             <a:avLst/>
@@ -3069,7 +3074,7 @@
           <a:bodyPr vert="horz" lIns="91440" tIns="45720" rIns="91440" bIns="45720" rtlCol="0" anchor="ctr"/>
           <a:lstStyle>
             <a:lvl1pPr algn="r">
-              <a:defRPr sz="1680">
+              <a:defRPr sz="2806">
                 <a:solidFill>
                   <a:schemeClr val="tx1">
                     <a:tint val="75000"/>
@@ -3090,27 +3095,27 @@
     </p:spTree>
     <p:extLst>
       <p:ext uri="{BB962C8B-B14F-4D97-AF65-F5344CB8AC3E}">
-        <p14:creationId xmlns:p14="http://schemas.microsoft.com/office/powerpoint/2010/main" val="2875759699"/>
+        <p14:creationId xmlns:p14="http://schemas.microsoft.com/office/powerpoint/2010/main" val="3429048384"/>
       </p:ext>
     </p:extLst>
   </p:cSld>
   <p:clrMap bg1="lt1" tx1="dk1" bg2="lt2" tx2="dk2" accent1="accent1" accent2="accent2" accent3="accent3" accent4="accent4" accent5="accent5" accent6="accent6" hlink="hlink" folHlink="folHlink"/>
   <p:sldLayoutIdLst>
-    <p:sldLayoutId id="2147483662" r:id="rId1"/>
-    <p:sldLayoutId id="2147483663" r:id="rId2"/>
-    <p:sldLayoutId id="2147483664" r:id="rId3"/>
-    <p:sldLayoutId id="2147483665" r:id="rId4"/>
-    <p:sldLayoutId id="2147483666" r:id="rId5"/>
-    <p:sldLayoutId id="2147483667" r:id="rId6"/>
-    <p:sldLayoutId id="2147483668" r:id="rId7"/>
-    <p:sldLayoutId id="2147483669" r:id="rId8"/>
-    <p:sldLayoutId id="2147483670" r:id="rId9"/>
-    <p:sldLayoutId id="2147483671" r:id="rId10"/>
-    <p:sldLayoutId id="2147483672" r:id="rId11"/>
+    <p:sldLayoutId id="2147483674" r:id="rId1"/>
+    <p:sldLayoutId id="2147483675" r:id="rId2"/>
+    <p:sldLayoutId id="2147483676" r:id="rId3"/>
+    <p:sldLayoutId id="2147483677" r:id="rId4"/>
+    <p:sldLayoutId id="2147483678" r:id="rId5"/>
+    <p:sldLayoutId id="2147483679" r:id="rId6"/>
+    <p:sldLayoutId id="2147483680" r:id="rId7"/>
+    <p:sldLayoutId id="2147483681" r:id="rId8"/>
+    <p:sldLayoutId id="2147483682" r:id="rId9"/>
+    <p:sldLayoutId id="2147483683" r:id="rId10"/>
+    <p:sldLayoutId id="2147483684" r:id="rId11"/>
   </p:sldLayoutIdLst>
   <p:txStyles>
     <p:titleStyle>
-      <a:lvl1pPr algn="l" defTabSz="1280160" rtl="0" eaLnBrk="1" latinLnBrk="0" hangingPunct="1">
+      <a:lvl1pPr algn="l" defTabSz="2138324" rtl="0" eaLnBrk="1" latinLnBrk="0" hangingPunct="1">
         <a:lnSpc>
           <a:spcPct val="90000"/>
         </a:lnSpc>
@@ -3118,7 +3123,7 @@
           <a:spcPct val="0"/>
         </a:spcBef>
         <a:buNone/>
-        <a:defRPr sz="6160" kern="1200">
+        <a:defRPr sz="10289" kern="1200">
           <a:solidFill>
             <a:schemeClr val="tx1"/>
           </a:solidFill>
@@ -3129,16 +3134,16 @@
       </a:lvl1pPr>
     </p:titleStyle>
     <p:bodyStyle>
-      <a:lvl1pPr marL="320040" indent="-320040" algn="l" defTabSz="1280160" rtl="0" eaLnBrk="1" latinLnBrk="0" hangingPunct="1">
+      <a:lvl1pPr marL="534581" indent="-534581" algn="l" defTabSz="2138324" rtl="0" eaLnBrk="1" latinLnBrk="0" hangingPunct="1">
         <a:lnSpc>
           <a:spcPct val="90000"/>
         </a:lnSpc>
         <a:spcBef>
-          <a:spcPts val="1400"/>
+          <a:spcPts val="2339"/>
         </a:spcBef>
         <a:buFont typeface="Arial" panose="020B0604020202020204" pitchFamily="34" charset="0"/>
         <a:buChar char="•"/>
-        <a:defRPr sz="3920" kern="1200">
+        <a:defRPr sz="6548" kern="1200">
           <a:solidFill>
             <a:schemeClr val="tx1"/>
           </a:solidFill>
@@ -3147,16 +3152,16 @@
           <a:cs typeface="+mn-cs"/>
         </a:defRPr>
       </a:lvl1pPr>
-      <a:lvl2pPr marL="960120" indent="-320040" algn="l" defTabSz="1280160" rtl="0" eaLnBrk="1" latinLnBrk="0" hangingPunct="1">
+      <a:lvl2pPr marL="1603743" indent="-534581" algn="l" defTabSz="2138324" rtl="0" eaLnBrk="1" latinLnBrk="0" hangingPunct="1">
         <a:lnSpc>
           <a:spcPct val="90000"/>
         </a:lnSpc>
         <a:spcBef>
-          <a:spcPts val="700"/>
+          <a:spcPts val="1169"/>
         </a:spcBef>
         <a:buFont typeface="Arial" panose="020B0604020202020204" pitchFamily="34" charset="0"/>
         <a:buChar char="•"/>
-        <a:defRPr sz="3360" kern="1200">
+        <a:defRPr sz="5612" kern="1200">
           <a:solidFill>
             <a:schemeClr val="tx1"/>
           </a:solidFill>
@@ -3165,16 +3170,16 @@
           <a:cs typeface="+mn-cs"/>
         </a:defRPr>
       </a:lvl2pPr>
-      <a:lvl3pPr marL="1600200" indent="-320040" algn="l" defTabSz="1280160" rtl="0" eaLnBrk="1" latinLnBrk="0" hangingPunct="1">
+      <a:lvl3pPr marL="2672906" indent="-534581" algn="l" defTabSz="2138324" rtl="0" eaLnBrk="1" latinLnBrk="0" hangingPunct="1">
         <a:lnSpc>
           <a:spcPct val="90000"/>
         </a:lnSpc>
         <a:spcBef>
-          <a:spcPts val="700"/>
+          <a:spcPts val="1169"/>
         </a:spcBef>
         <a:buFont typeface="Arial" panose="020B0604020202020204" pitchFamily="34" charset="0"/>
         <a:buChar char="•"/>
-        <a:defRPr sz="2800" kern="1200">
+        <a:defRPr sz="4677" kern="1200">
           <a:solidFill>
             <a:schemeClr val="tx1"/>
           </a:solidFill>
@@ -3183,16 +3188,16 @@
           <a:cs typeface="+mn-cs"/>
         </a:defRPr>
       </a:lvl3pPr>
-      <a:lvl4pPr marL="2240280" indent="-320040" algn="l" defTabSz="1280160" rtl="0" eaLnBrk="1" latinLnBrk="0" hangingPunct="1">
+      <a:lvl4pPr marL="3742068" indent="-534581" algn="l" defTabSz="2138324" rtl="0" eaLnBrk="1" latinLnBrk="0" hangingPunct="1">
         <a:lnSpc>
           <a:spcPct val="90000"/>
         </a:lnSpc>
         <a:spcBef>
-          <a:spcPts val="700"/>
+          <a:spcPts val="1169"/>
         </a:spcBef>
         <a:buFont typeface="Arial" panose="020B0604020202020204" pitchFamily="34" charset="0"/>
         <a:buChar char="•"/>
-        <a:defRPr sz="2520" kern="1200">
+        <a:defRPr sz="4209" kern="1200">
           <a:solidFill>
             <a:schemeClr val="tx1"/>
           </a:solidFill>
@@ -3201,16 +3206,16 @@
           <a:cs typeface="+mn-cs"/>
         </a:defRPr>
       </a:lvl4pPr>
-      <a:lvl5pPr marL="2880360" indent="-320040" algn="l" defTabSz="1280160" rtl="0" eaLnBrk="1" latinLnBrk="0" hangingPunct="1">
+      <a:lvl5pPr marL="4811230" indent="-534581" algn="l" defTabSz="2138324" rtl="0" eaLnBrk="1" latinLnBrk="0" hangingPunct="1">
         <a:lnSpc>
           <a:spcPct val="90000"/>
         </a:lnSpc>
         <a:spcBef>
-          <a:spcPts val="700"/>
+          <a:spcPts val="1169"/>
         </a:spcBef>
         <a:buFont typeface="Arial" panose="020B0604020202020204" pitchFamily="34" charset="0"/>
         <a:buChar char="•"/>
-        <a:defRPr sz="2520" kern="1200">
+        <a:defRPr sz="4209" kern="1200">
           <a:solidFill>
             <a:schemeClr val="tx1"/>
           </a:solidFill>
@@ -3219,16 +3224,16 @@
           <a:cs typeface="+mn-cs"/>
         </a:defRPr>
       </a:lvl5pPr>
-      <a:lvl6pPr marL="3520440" indent="-320040" algn="l" defTabSz="1280160" rtl="0" eaLnBrk="1" latinLnBrk="0" hangingPunct="1">
+      <a:lvl6pPr marL="5880392" indent="-534581" algn="l" defTabSz="2138324" rtl="0" eaLnBrk="1" latinLnBrk="0" hangingPunct="1">
         <a:lnSpc>
           <a:spcPct val="90000"/>
         </a:lnSpc>
         <a:spcBef>
-          <a:spcPts val="700"/>
+          <a:spcPts val="1169"/>
         </a:spcBef>
         <a:buFont typeface="Arial" panose="020B0604020202020204" pitchFamily="34" charset="0"/>
         <a:buChar char="•"/>
-        <a:defRPr sz="2520" kern="1200">
+        <a:defRPr sz="4209" kern="1200">
           <a:solidFill>
             <a:schemeClr val="tx1"/>
           </a:solidFill>
@@ -3237,16 +3242,16 @@
           <a:cs typeface="+mn-cs"/>
         </a:defRPr>
       </a:lvl6pPr>
-      <a:lvl7pPr marL="4160520" indent="-320040" algn="l" defTabSz="1280160" rtl="0" eaLnBrk="1" latinLnBrk="0" hangingPunct="1">
+      <a:lvl7pPr marL="6949554" indent="-534581" algn="l" defTabSz="2138324" rtl="0" eaLnBrk="1" latinLnBrk="0" hangingPunct="1">
         <a:lnSpc>
           <a:spcPct val="90000"/>
         </a:lnSpc>
         <a:spcBef>
-          <a:spcPts val="700"/>
+          <a:spcPts val="1169"/>
         </a:spcBef>
         <a:buFont typeface="Arial" panose="020B0604020202020204" pitchFamily="34" charset="0"/>
         <a:buChar char="•"/>
-        <a:defRPr sz="2520" kern="1200">
+        <a:defRPr sz="4209" kern="1200">
           <a:solidFill>
             <a:schemeClr val="tx1"/>
           </a:solidFill>
@@ -3255,16 +3260,16 @@
           <a:cs typeface="+mn-cs"/>
         </a:defRPr>
       </a:lvl7pPr>
-      <a:lvl8pPr marL="4800600" indent="-320040" algn="l" defTabSz="1280160" rtl="0" eaLnBrk="1" latinLnBrk="0" hangingPunct="1">
+      <a:lvl8pPr marL="8018717" indent="-534581" algn="l" defTabSz="2138324" rtl="0" eaLnBrk="1" latinLnBrk="0" hangingPunct="1">
         <a:lnSpc>
           <a:spcPct val="90000"/>
         </a:lnSpc>
         <a:spcBef>
-          <a:spcPts val="700"/>
+          <a:spcPts val="1169"/>
         </a:spcBef>
         <a:buFont typeface="Arial" panose="020B0604020202020204" pitchFamily="34" charset="0"/>
         <a:buChar char="•"/>
-        <a:defRPr sz="2520" kern="1200">
+        <a:defRPr sz="4209" kern="1200">
           <a:solidFill>
             <a:schemeClr val="tx1"/>
           </a:solidFill>
@@ -3273,16 +3278,16 @@
           <a:cs typeface="+mn-cs"/>
         </a:defRPr>
       </a:lvl8pPr>
-      <a:lvl9pPr marL="5440680" indent="-320040" algn="l" defTabSz="1280160" rtl="0" eaLnBrk="1" latinLnBrk="0" hangingPunct="1">
+      <a:lvl9pPr marL="9087879" indent="-534581" algn="l" defTabSz="2138324" rtl="0" eaLnBrk="1" latinLnBrk="0" hangingPunct="1">
         <a:lnSpc>
           <a:spcPct val="90000"/>
         </a:lnSpc>
         <a:spcBef>
-          <a:spcPts val="700"/>
+          <a:spcPts val="1169"/>
         </a:spcBef>
         <a:buFont typeface="Arial" panose="020B0604020202020204" pitchFamily="34" charset="0"/>
         <a:buChar char="•"/>
-        <a:defRPr sz="2520" kern="1200">
+        <a:defRPr sz="4209" kern="1200">
           <a:solidFill>
             <a:schemeClr val="tx1"/>
           </a:solidFill>
@@ -3296,8 +3301,8 @@
       <a:defPPr>
         <a:defRPr lang="en-US"/>
       </a:defPPr>
-      <a:lvl1pPr marL="0" algn="l" defTabSz="1280160" rtl="0" eaLnBrk="1" latinLnBrk="0" hangingPunct="1">
-        <a:defRPr sz="2520" kern="1200">
+      <a:lvl1pPr marL="0" algn="l" defTabSz="2138324" rtl="0" eaLnBrk="1" latinLnBrk="0" hangingPunct="1">
+        <a:defRPr sz="4209" kern="1200">
           <a:solidFill>
             <a:schemeClr val="tx1"/>
           </a:solidFill>
@@ -3306,8 +3311,8 @@
           <a:cs typeface="+mn-cs"/>
         </a:defRPr>
       </a:lvl1pPr>
-      <a:lvl2pPr marL="640080" algn="l" defTabSz="1280160" rtl="0" eaLnBrk="1" latinLnBrk="0" hangingPunct="1">
-        <a:defRPr sz="2520" kern="1200">
+      <a:lvl2pPr marL="1069162" algn="l" defTabSz="2138324" rtl="0" eaLnBrk="1" latinLnBrk="0" hangingPunct="1">
+        <a:defRPr sz="4209" kern="1200">
           <a:solidFill>
             <a:schemeClr val="tx1"/>
           </a:solidFill>
@@ -3316,8 +3321,8 @@
           <a:cs typeface="+mn-cs"/>
         </a:defRPr>
       </a:lvl2pPr>
-      <a:lvl3pPr marL="1280160" algn="l" defTabSz="1280160" rtl="0" eaLnBrk="1" latinLnBrk="0" hangingPunct="1">
-        <a:defRPr sz="2520" kern="1200">
+      <a:lvl3pPr marL="2138324" algn="l" defTabSz="2138324" rtl="0" eaLnBrk="1" latinLnBrk="0" hangingPunct="1">
+        <a:defRPr sz="4209" kern="1200">
           <a:solidFill>
             <a:schemeClr val="tx1"/>
           </a:solidFill>
@@ -3326,8 +3331,8 @@
           <a:cs typeface="+mn-cs"/>
         </a:defRPr>
       </a:lvl3pPr>
-      <a:lvl4pPr marL="1920240" algn="l" defTabSz="1280160" rtl="0" eaLnBrk="1" latinLnBrk="0" hangingPunct="1">
-        <a:defRPr sz="2520" kern="1200">
+      <a:lvl4pPr marL="3207487" algn="l" defTabSz="2138324" rtl="0" eaLnBrk="1" latinLnBrk="0" hangingPunct="1">
+        <a:defRPr sz="4209" kern="1200">
           <a:solidFill>
             <a:schemeClr val="tx1"/>
           </a:solidFill>
@@ -3336,8 +3341,8 @@
           <a:cs typeface="+mn-cs"/>
         </a:defRPr>
       </a:lvl4pPr>
-      <a:lvl5pPr marL="2560320" algn="l" defTabSz="1280160" rtl="0" eaLnBrk="1" latinLnBrk="0" hangingPunct="1">
-        <a:defRPr sz="2520" kern="1200">
+      <a:lvl5pPr marL="4276649" algn="l" defTabSz="2138324" rtl="0" eaLnBrk="1" latinLnBrk="0" hangingPunct="1">
+        <a:defRPr sz="4209" kern="1200">
           <a:solidFill>
             <a:schemeClr val="tx1"/>
           </a:solidFill>
@@ -3346,8 +3351,8 @@
           <a:cs typeface="+mn-cs"/>
         </a:defRPr>
       </a:lvl5pPr>
-      <a:lvl6pPr marL="3200400" algn="l" defTabSz="1280160" rtl="0" eaLnBrk="1" latinLnBrk="0" hangingPunct="1">
-        <a:defRPr sz="2520" kern="1200">
+      <a:lvl6pPr marL="5345811" algn="l" defTabSz="2138324" rtl="0" eaLnBrk="1" latinLnBrk="0" hangingPunct="1">
+        <a:defRPr sz="4209" kern="1200">
           <a:solidFill>
             <a:schemeClr val="tx1"/>
           </a:solidFill>
@@ -3356,8 +3361,8 @@
           <a:cs typeface="+mn-cs"/>
         </a:defRPr>
       </a:lvl6pPr>
-      <a:lvl7pPr marL="3840480" algn="l" defTabSz="1280160" rtl="0" eaLnBrk="1" latinLnBrk="0" hangingPunct="1">
-        <a:defRPr sz="2520" kern="1200">
+      <a:lvl7pPr marL="6414973" algn="l" defTabSz="2138324" rtl="0" eaLnBrk="1" latinLnBrk="0" hangingPunct="1">
+        <a:defRPr sz="4209" kern="1200">
           <a:solidFill>
             <a:schemeClr val="tx1"/>
           </a:solidFill>
@@ -3366,8 +3371,8 @@
           <a:cs typeface="+mn-cs"/>
         </a:defRPr>
       </a:lvl7pPr>
-      <a:lvl8pPr marL="4480560" algn="l" defTabSz="1280160" rtl="0" eaLnBrk="1" latinLnBrk="0" hangingPunct="1">
-        <a:defRPr sz="2520" kern="1200">
+      <a:lvl8pPr marL="7484135" algn="l" defTabSz="2138324" rtl="0" eaLnBrk="1" latinLnBrk="0" hangingPunct="1">
+        <a:defRPr sz="4209" kern="1200">
           <a:solidFill>
             <a:schemeClr val="tx1"/>
           </a:solidFill>
@@ -3376,8 +3381,8 @@
           <a:cs typeface="+mn-cs"/>
         </a:defRPr>
       </a:lvl8pPr>
-      <a:lvl9pPr marL="5120640" algn="l" defTabSz="1280160" rtl="0" eaLnBrk="1" latinLnBrk="0" hangingPunct="1">
-        <a:defRPr sz="2520" kern="1200">
+      <a:lvl9pPr marL="8553298" algn="l" defTabSz="2138324" rtl="0" eaLnBrk="1" latinLnBrk="0" hangingPunct="1">
+        <a:defRPr sz="4209" kern="1200">
           <a:solidFill>
             <a:schemeClr val="tx1"/>
           </a:solidFill>
@@ -3410,6 +3415,114 @@
       </p:grpSpPr>
       <p:sp>
         <p:nvSpPr>
+          <p:cNvPr id="19" name="Cloud 18">
+            <a:extLst>
+              <a:ext uri="{FF2B5EF4-FFF2-40B4-BE49-F238E27FC236}">
+                <a16:creationId xmlns:a16="http://schemas.microsoft.com/office/drawing/2014/main" id="{78563AF7-DF64-FFCA-F8B6-FA41F2A4A2CE}"/>
+              </a:ext>
+            </a:extLst>
+          </p:cNvPr>
+          <p:cNvSpPr/>
+          <p:nvPr/>
+        </p:nvSpPr>
+        <p:spPr>
+          <a:xfrm>
+            <a:off x="6599468" y="16741722"/>
+            <a:ext cx="3891719" cy="1160584"/>
+          </a:xfrm>
+          <a:prstGeom prst="cloud">
+            <a:avLst/>
+          </a:prstGeom>
+          <a:solidFill>
+            <a:schemeClr val="bg1">
+              <a:lumMod val="85000"/>
+            </a:schemeClr>
+          </a:solidFill>
+          <a:ln>
+            <a:noFill/>
+          </a:ln>
+        </p:spPr>
+        <p:style>
+          <a:lnRef idx="2">
+            <a:schemeClr val="accent1">
+              <a:shade val="50000"/>
+            </a:schemeClr>
+          </a:lnRef>
+          <a:fillRef idx="1">
+            <a:schemeClr val="accent1"/>
+          </a:fillRef>
+          <a:effectRef idx="0">
+            <a:schemeClr val="accent1"/>
+          </a:effectRef>
+          <a:fontRef idx="minor">
+            <a:schemeClr val="lt1"/>
+          </a:fontRef>
+        </p:style>
+        <p:txBody>
+          <a:bodyPr rtlCol="0" anchor="ctr"/>
+          <a:lstStyle/>
+          <a:p>
+            <a:pPr algn="ctr"/>
+            <a:endParaRPr lang="en-SE"/>
+          </a:p>
+        </p:txBody>
+      </p:sp>
+      <p:sp>
+        <p:nvSpPr>
+          <p:cNvPr id="25" name="Cloud 24">
+            <a:extLst>
+              <a:ext uri="{FF2B5EF4-FFF2-40B4-BE49-F238E27FC236}">
+                <a16:creationId xmlns:a16="http://schemas.microsoft.com/office/drawing/2014/main" id="{6BFE2E6A-F096-2BAD-7994-C69ED7A93666}"/>
+              </a:ext>
+            </a:extLst>
+          </p:cNvPr>
+          <p:cNvSpPr/>
+          <p:nvPr/>
+        </p:nvSpPr>
+        <p:spPr>
+          <a:xfrm>
+            <a:off x="10592392" y="16645981"/>
+            <a:ext cx="6004813" cy="1221817"/>
+          </a:xfrm>
+          <a:prstGeom prst="cloud">
+            <a:avLst/>
+          </a:prstGeom>
+          <a:solidFill>
+            <a:schemeClr val="bg1">
+              <a:lumMod val="85000"/>
+            </a:schemeClr>
+          </a:solidFill>
+          <a:ln>
+            <a:noFill/>
+          </a:ln>
+        </p:spPr>
+        <p:style>
+          <a:lnRef idx="2">
+            <a:schemeClr val="accent1">
+              <a:shade val="50000"/>
+            </a:schemeClr>
+          </a:lnRef>
+          <a:fillRef idx="1">
+            <a:schemeClr val="accent1"/>
+          </a:fillRef>
+          <a:effectRef idx="0">
+            <a:schemeClr val="accent1"/>
+          </a:effectRef>
+          <a:fontRef idx="minor">
+            <a:schemeClr val="lt1"/>
+          </a:fontRef>
+        </p:style>
+        <p:txBody>
+          <a:bodyPr rtlCol="0" anchor="ctr"/>
+          <a:lstStyle/>
+          <a:p>
+            <a:pPr algn="ctr"/>
+            <a:endParaRPr lang="en-SE"/>
+          </a:p>
+        </p:txBody>
+      </p:sp>
+      <p:sp>
+        <p:nvSpPr>
           <p:cNvPr id="53" name="Oval 52">
             <a:extLst>
               <a:ext uri="{FF2B5EF4-FFF2-40B4-BE49-F238E27FC236}">
@@ -3422,7 +3535,7 @@
         </p:nvSpPr>
         <p:spPr>
           <a:xfrm>
-            <a:off x="4445688" y="488701"/>
+            <a:off x="8736700" y="10825707"/>
             <a:ext cx="5759248" cy="3949700"/>
           </a:xfrm>
           <a:prstGeom prst="ellipse">
@@ -3476,7 +3589,7 @@
         </p:nvSpPr>
         <p:spPr>
           <a:xfrm>
-            <a:off x="6312578" y="716885"/>
+            <a:off x="10603591" y="11053892"/>
             <a:ext cx="606287" cy="626165"/>
           </a:xfrm>
           <a:prstGeom prst="ellipse">
@@ -3571,7 +3684,7 @@
         </p:nvSpPr>
         <p:spPr>
           <a:xfrm>
-            <a:off x="5403153" y="1680846"/>
+            <a:off x="9694166" y="12017853"/>
             <a:ext cx="606287" cy="626165"/>
           </a:xfrm>
           <a:prstGeom prst="ellipse">
@@ -3666,7 +3779,7 @@
         </p:nvSpPr>
         <p:spPr>
           <a:xfrm>
-            <a:off x="7239231" y="1680846"/>
+            <a:off x="11530244" y="12017853"/>
             <a:ext cx="606287" cy="626165"/>
           </a:xfrm>
           <a:prstGeom prst="ellipse">
@@ -3761,7 +3874,7 @@
         </p:nvSpPr>
         <p:spPr>
           <a:xfrm>
-            <a:off x="5403151" y="2622628"/>
+            <a:off x="9694164" y="12959635"/>
             <a:ext cx="606287" cy="626165"/>
           </a:xfrm>
           <a:prstGeom prst="ellipse">
@@ -3851,7 +3964,7 @@
         </p:nvSpPr>
         <p:spPr>
           <a:xfrm>
-            <a:off x="7239230" y="3559342"/>
+            <a:off x="11530243" y="13896349"/>
             <a:ext cx="606287" cy="626165"/>
           </a:xfrm>
           <a:prstGeom prst="ellipse">
@@ -3946,7 +4059,7 @@
         </p:nvSpPr>
         <p:spPr>
           <a:xfrm>
-            <a:off x="7239229" y="2620093"/>
+            <a:off x="11530242" y="12957100"/>
             <a:ext cx="606287" cy="626165"/>
           </a:xfrm>
           <a:prstGeom prst="ellipse">
@@ -4041,7 +4154,7 @@
         </p:nvSpPr>
         <p:spPr>
           <a:xfrm>
-            <a:off x="8165878" y="2635844"/>
+            <a:off x="12456891" y="12972851"/>
             <a:ext cx="606287" cy="626165"/>
           </a:xfrm>
           <a:prstGeom prst="ellipse">
@@ -4140,7 +4253,7 @@
         </p:nvCxnSpPr>
         <p:spPr>
           <a:xfrm flipH="1">
-            <a:off x="5706297" y="1343049"/>
+            <a:off x="9997310" y="11680055"/>
             <a:ext cx="909425" cy="337796"/>
           </a:xfrm>
           <a:prstGeom prst="line">
@@ -4185,7 +4298,7 @@
         </p:nvCxnSpPr>
         <p:spPr>
           <a:xfrm flipH="1">
-            <a:off x="5706294" y="2307011"/>
+            <a:off x="9997306" y="12644018"/>
             <a:ext cx="2" cy="315617"/>
           </a:xfrm>
           <a:prstGeom prst="line">
@@ -4226,7 +4339,7 @@
         </p:nvSpPr>
         <p:spPr>
           <a:xfrm>
-            <a:off x="6312579" y="2635845"/>
+            <a:off x="10603592" y="12972852"/>
             <a:ext cx="606287" cy="626165"/>
           </a:xfrm>
           <a:prstGeom prst="ellipse">
@@ -4320,7 +4433,7 @@
         </p:nvCxnSpPr>
         <p:spPr>
           <a:xfrm>
-            <a:off x="6615722" y="1343050"/>
+            <a:off x="10906735" y="11680057"/>
             <a:ext cx="1" cy="1292795"/>
           </a:xfrm>
           <a:prstGeom prst="line">
@@ -4365,7 +4478,7 @@
         </p:nvCxnSpPr>
         <p:spPr>
           <a:xfrm>
-            <a:off x="6615721" y="1343049"/>
+            <a:off x="10906733" y="11680055"/>
             <a:ext cx="712298" cy="429496"/>
           </a:xfrm>
           <a:prstGeom prst="line">
@@ -4410,7 +4523,7 @@
         </p:nvCxnSpPr>
         <p:spPr>
           <a:xfrm flipH="1">
-            <a:off x="7542372" y="2307010"/>
+            <a:off x="11833384" y="12644016"/>
             <a:ext cx="2" cy="313082"/>
           </a:xfrm>
           <a:prstGeom prst="line">
@@ -4455,7 +4568,7 @@
         </p:nvCxnSpPr>
         <p:spPr>
           <a:xfrm>
-            <a:off x="7542375" y="2307011"/>
+            <a:off x="11833388" y="12644018"/>
             <a:ext cx="926647" cy="328833"/>
           </a:xfrm>
           <a:prstGeom prst="line">
@@ -4500,7 +4613,7 @@
         </p:nvCxnSpPr>
         <p:spPr>
           <a:xfrm flipH="1">
-            <a:off x="7542373" y="3262009"/>
+            <a:off x="11833385" y="13599016"/>
             <a:ext cx="926648" cy="297333"/>
           </a:xfrm>
           <a:prstGeom prst="line">
@@ -4545,7 +4658,7 @@
         </p:nvCxnSpPr>
         <p:spPr>
           <a:xfrm>
-            <a:off x="7542373" y="3246257"/>
+            <a:off x="11833386" y="13583263"/>
             <a:ext cx="1" cy="313084"/>
           </a:xfrm>
           <a:prstGeom prst="line">
@@ -4586,7 +4699,7 @@
         </p:nvSpPr>
         <p:spPr>
           <a:xfrm>
-            <a:off x="8985542" y="2620093"/>
+            <a:off x="13276555" y="12957100"/>
             <a:ext cx="606287" cy="626165"/>
           </a:xfrm>
           <a:prstGeom prst="ellipse">
@@ -4685,7 +4798,7 @@
         </p:nvCxnSpPr>
         <p:spPr>
           <a:xfrm>
-            <a:off x="7542375" y="2307010"/>
+            <a:off x="11833388" y="12644016"/>
             <a:ext cx="1746311" cy="313082"/>
           </a:xfrm>
           <a:prstGeom prst="line">
@@ -4730,7 +4843,7 @@
         </p:nvCxnSpPr>
         <p:spPr>
           <a:xfrm flipH="1">
-            <a:off x="7542373" y="3246257"/>
+            <a:off x="11833385" y="13583263"/>
             <a:ext cx="1746312" cy="313084"/>
           </a:xfrm>
           <a:prstGeom prst="line">
@@ -4775,7 +4888,7 @@
         </p:nvCxnSpPr>
         <p:spPr>
           <a:xfrm>
-            <a:off x="6615723" y="3262009"/>
+            <a:off x="10906736" y="13599015"/>
             <a:ext cx="926651" cy="297332"/>
           </a:xfrm>
           <a:prstGeom prst="line">
@@ -4816,7 +4929,7 @@
         </p:nvSpPr>
         <p:spPr>
           <a:xfrm>
-            <a:off x="2312650" y="5500747"/>
+            <a:off x="6603663" y="15837754"/>
             <a:ext cx="10053043" cy="695645"/>
           </a:xfrm>
           <a:prstGeom prst="rect">
@@ -4879,8 +4992,8 @@
         </p:nvSpPr>
         <p:spPr>
           <a:xfrm>
-            <a:off x="2361845" y="9004252"/>
-            <a:ext cx="1880643" cy="418128"/>
+            <a:off x="6652857" y="19886380"/>
+            <a:ext cx="3510898" cy="731098"/>
           </a:xfrm>
           <a:prstGeom prst="rect">
             <a:avLst/>
@@ -4916,7 +5029,7 @@
         </p:nvSpPr>
         <p:spPr>
           <a:xfrm>
-            <a:off x="2353978" y="7330088"/>
+            <a:off x="6644991" y="18212217"/>
             <a:ext cx="1584837" cy="1609993"/>
           </a:xfrm>
           <a:prstGeom prst="rect">
@@ -4971,8 +5084,8 @@
         </p:nvSpPr>
         <p:spPr>
           <a:xfrm>
-            <a:off x="6136249" y="8996555"/>
-            <a:ext cx="756938" cy="418128"/>
+            <a:off x="10427262" y="19878683"/>
+            <a:ext cx="1305165" cy="731098"/>
           </a:xfrm>
           <a:prstGeom prst="rect">
             <a:avLst/>
@@ -5008,8 +5121,8 @@
         </p:nvSpPr>
         <p:spPr>
           <a:xfrm>
-            <a:off x="9320299" y="9013877"/>
-            <a:ext cx="1362874" cy="418128"/>
+            <a:off x="13611311" y="19896005"/>
+            <a:ext cx="2496196" cy="731098"/>
           </a:xfrm>
           <a:prstGeom prst="rect">
             <a:avLst/>
@@ -5045,8 +5158,8 @@
         </p:nvSpPr>
         <p:spPr>
           <a:xfrm>
-            <a:off x="10818286" y="9013877"/>
-            <a:ext cx="1786066" cy="418128"/>
+            <a:off x="15109299" y="19896005"/>
+            <a:ext cx="3321743" cy="731098"/>
           </a:xfrm>
           <a:prstGeom prst="rect">
             <a:avLst/>
@@ -5082,7 +5195,7 @@
         </p:nvSpPr>
         <p:spPr>
           <a:xfrm>
-            <a:off x="2452494" y="7439749"/>
+            <a:off x="6743506" y="18321877"/>
             <a:ext cx="1383184" cy="263990"/>
           </a:xfrm>
           <a:prstGeom prst="rect">
@@ -5143,7 +5256,7 @@
         </p:nvSpPr>
         <p:spPr>
           <a:xfrm>
-            <a:off x="2473983" y="7935405"/>
+            <a:off x="6764996" y="18817534"/>
             <a:ext cx="606287" cy="626165"/>
           </a:xfrm>
           <a:prstGeom prst="ellipse">
@@ -5233,7 +5346,7 @@
         </p:nvSpPr>
         <p:spPr>
           <a:xfrm>
-            <a:off x="3185197" y="7935404"/>
+            <a:off x="7476210" y="18817533"/>
             <a:ext cx="606287" cy="626165"/>
           </a:xfrm>
           <a:prstGeom prst="ellipse">
@@ -5323,7 +5436,7 @@
         </p:nvSpPr>
         <p:spPr>
           <a:xfrm>
-            <a:off x="4058820" y="7340488"/>
+            <a:off x="8349833" y="18222617"/>
             <a:ext cx="1584837" cy="1609993"/>
           </a:xfrm>
           <a:prstGeom prst="rect">
@@ -5378,7 +5491,7 @@
         </p:nvSpPr>
         <p:spPr>
           <a:xfrm>
-            <a:off x="4178825" y="7945805"/>
+            <a:off x="8469838" y="18827934"/>
             <a:ext cx="606287" cy="626165"/>
           </a:xfrm>
           <a:prstGeom prst="ellipse">
@@ -5468,7 +5581,7 @@
         </p:nvSpPr>
         <p:spPr>
           <a:xfrm>
-            <a:off x="4890039" y="7945804"/>
+            <a:off x="9181052" y="18827933"/>
             <a:ext cx="606287" cy="626165"/>
           </a:xfrm>
           <a:prstGeom prst="ellipse">
@@ -5558,8 +5671,8 @@
         </p:nvSpPr>
         <p:spPr>
           <a:xfrm>
-            <a:off x="4036228" y="8997478"/>
-            <a:ext cx="1880643" cy="418128"/>
+            <a:off x="8327240" y="19879606"/>
+            <a:ext cx="3510898" cy="731098"/>
           </a:xfrm>
           <a:prstGeom prst="rect">
             <a:avLst/>
@@ -5595,7 +5708,7 @@
         </p:nvSpPr>
         <p:spPr>
           <a:xfrm>
-            <a:off x="5744484" y="7340488"/>
+            <a:off x="10035497" y="18222617"/>
             <a:ext cx="1584837" cy="1609993"/>
           </a:xfrm>
           <a:prstGeom prst="rect">
@@ -5650,7 +5763,7 @@
         </p:nvSpPr>
         <p:spPr>
           <a:xfrm>
-            <a:off x="5879202" y="7945803"/>
+            <a:off x="10170215" y="18827932"/>
             <a:ext cx="606287" cy="626165"/>
           </a:xfrm>
           <a:prstGeom prst="ellipse">
@@ -5737,7 +5850,7 @@
         </p:nvSpPr>
         <p:spPr>
           <a:xfrm>
-            <a:off x="7430148" y="7340488"/>
+            <a:off x="11721161" y="18222617"/>
             <a:ext cx="1584837" cy="1609993"/>
           </a:xfrm>
           <a:prstGeom prst="rect">
@@ -5792,7 +5905,7 @@
         </p:nvSpPr>
         <p:spPr>
           <a:xfrm>
-            <a:off x="7548963" y="7934629"/>
+            <a:off x="11839976" y="18816758"/>
             <a:ext cx="606287" cy="626165"/>
           </a:xfrm>
           <a:prstGeom prst="ellipse">
@@ -5882,7 +5995,7 @@
         </p:nvSpPr>
         <p:spPr>
           <a:xfrm>
-            <a:off x="9121955" y="7340488"/>
+            <a:off x="13412968" y="18222617"/>
             <a:ext cx="1584837" cy="1609993"/>
           </a:xfrm>
           <a:prstGeom prst="rect">
@@ -5937,7 +6050,7 @@
         </p:nvSpPr>
         <p:spPr>
           <a:xfrm>
-            <a:off x="9604345" y="7932366"/>
+            <a:off x="13895358" y="18814495"/>
             <a:ext cx="606287" cy="626165"/>
           </a:xfrm>
           <a:prstGeom prst="ellipse">
@@ -6027,7 +6140,7 @@
         </p:nvSpPr>
         <p:spPr>
           <a:xfrm>
-            <a:off x="10822184" y="7339713"/>
+            <a:off x="15113197" y="18221842"/>
             <a:ext cx="1584837" cy="1609993"/>
           </a:xfrm>
           <a:prstGeom prst="rect">
@@ -6082,7 +6195,7 @@
         </p:nvSpPr>
         <p:spPr>
           <a:xfrm>
-            <a:off x="11245466" y="7934629"/>
+            <a:off x="15536479" y="18816758"/>
             <a:ext cx="606287" cy="626165"/>
           </a:xfrm>
           <a:prstGeom prst="ellipse">
@@ -6172,7 +6285,7 @@
         </p:nvSpPr>
         <p:spPr>
           <a:xfrm>
-            <a:off x="8270642" y="7945802"/>
+            <a:off x="12561655" y="18827931"/>
             <a:ext cx="606287" cy="626165"/>
           </a:xfrm>
           <a:prstGeom prst="ellipse">
@@ -6263,7 +6376,7 @@
         </p:nvCxnSpPr>
         <p:spPr>
           <a:xfrm>
-            <a:off x="5706295" y="3248793"/>
+            <a:off x="9997308" y="13585800"/>
             <a:ext cx="1836079" cy="310549"/>
           </a:xfrm>
           <a:prstGeom prst="line">
@@ -6304,8 +6417,8 @@
         </p:nvSpPr>
         <p:spPr>
           <a:xfrm>
-            <a:off x="7609809" y="8996555"/>
-            <a:ext cx="1414170" cy="418128"/>
+            <a:off x="11900821" y="19878683"/>
+            <a:ext cx="2598788" cy="731098"/>
           </a:xfrm>
           <a:prstGeom prst="rect">
             <a:avLst/>
@@ -6341,7 +6454,7 @@
         </p:nvSpPr>
         <p:spPr>
           <a:xfrm>
-            <a:off x="4158319" y="7439749"/>
+            <a:off x="8449331" y="18321877"/>
             <a:ext cx="1383184" cy="263990"/>
           </a:xfrm>
           <a:prstGeom prst="rect">
@@ -6402,7 +6515,7 @@
         </p:nvSpPr>
         <p:spPr>
           <a:xfrm>
-            <a:off x="5843249" y="7439749"/>
+            <a:off x="10134261" y="18321877"/>
             <a:ext cx="1383184" cy="263990"/>
           </a:xfrm>
           <a:prstGeom prst="rect">
@@ -6463,7 +6576,7 @@
         </p:nvSpPr>
         <p:spPr>
           <a:xfrm>
-            <a:off x="7518920" y="7439749"/>
+            <a:off x="11809932" y="18321877"/>
             <a:ext cx="1383184" cy="263990"/>
           </a:xfrm>
           <a:prstGeom prst="rect">
@@ -6524,7 +6637,7 @@
         </p:nvSpPr>
         <p:spPr>
           <a:xfrm>
-            <a:off x="9215897" y="7451719"/>
+            <a:off x="13506909" y="18333847"/>
             <a:ext cx="1383184" cy="263990"/>
           </a:xfrm>
           <a:prstGeom prst="rect">
@@ -6585,7 +6698,7 @@
         </p:nvSpPr>
         <p:spPr>
           <a:xfrm>
-            <a:off x="10923009" y="7439749"/>
+            <a:off x="15214021" y="18321877"/>
             <a:ext cx="1383184" cy="263990"/>
           </a:xfrm>
           <a:prstGeom prst="rect">
@@ -6647,9 +6760,9 @@
           <p:nvPr/>
         </p:nvCxnSpPr>
         <p:spPr>
-          <a:xfrm flipH="1" flipV="1">
-            <a:off x="2866202" y="6192451"/>
-            <a:ext cx="1" cy="1133696"/>
+          <a:xfrm flipV="1">
+            <a:off x="7157216" y="16510055"/>
+            <a:ext cx="0" cy="1698220"/>
           </a:xfrm>
           <a:prstGeom prst="straightConnector1">
             <a:avLst/>
@@ -6693,8 +6806,8 @@
         </p:nvCxnSpPr>
         <p:spPr>
           <a:xfrm>
-            <a:off x="2493604" y="6205524"/>
-            <a:ext cx="0" cy="1134681"/>
+            <a:off x="6784616" y="16533399"/>
+            <a:ext cx="0" cy="1688935"/>
           </a:xfrm>
           <a:prstGeom prst="straightConnector1">
             <a:avLst/>
@@ -6736,7 +6849,7 @@
         </p:nvSpPr>
         <p:spPr>
           <a:xfrm>
-            <a:off x="2555631" y="6640377"/>
+            <a:off x="6846643" y="16563501"/>
             <a:ext cx="1383184" cy="263990"/>
           </a:xfrm>
           <a:prstGeom prst="rect">
@@ -6797,7 +6910,7 @@
         </p:nvSpPr>
         <p:spPr>
           <a:xfrm>
-            <a:off x="1398420" y="6640377"/>
+            <a:off x="5756338" y="17935100"/>
             <a:ext cx="1383184" cy="263990"/>
           </a:xfrm>
           <a:prstGeom prst="rect">
@@ -6860,8 +6973,8 @@
         </p:nvCxnSpPr>
         <p:spPr>
           <a:xfrm>
-            <a:off x="3656188" y="6205032"/>
-            <a:ext cx="0" cy="1134681"/>
+            <a:off x="7947200" y="16510055"/>
+            <a:ext cx="0" cy="1711787"/>
           </a:xfrm>
           <a:prstGeom prst="straightConnector1">
             <a:avLst/>
@@ -6903,7 +7016,7 @@
         </p:nvSpPr>
         <p:spPr>
           <a:xfrm>
-            <a:off x="3593365" y="6645823"/>
+            <a:off x="7884377" y="17940546"/>
             <a:ext cx="1383184" cy="263990"/>
           </a:xfrm>
           <a:prstGeom prst="rect">
@@ -6966,8 +7079,8 @@
         </p:nvCxnSpPr>
         <p:spPr>
           <a:xfrm>
-            <a:off x="9438267" y="6204784"/>
-            <a:ext cx="0" cy="1134681"/>
+            <a:off x="13729279" y="16533399"/>
+            <a:ext cx="0" cy="1688195"/>
           </a:xfrm>
           <a:prstGeom prst="straightConnector1">
             <a:avLst/>
@@ -7009,7 +7122,7 @@
         </p:nvSpPr>
         <p:spPr>
           <a:xfrm>
-            <a:off x="9341455" y="6634448"/>
+            <a:off x="13604095" y="17918573"/>
             <a:ext cx="2418731" cy="263990"/>
           </a:xfrm>
           <a:prstGeom prst="rect">
@@ -7070,8 +7183,8 @@
         </p:nvSpPr>
         <p:spPr>
           <a:xfrm>
-            <a:off x="7876331" y="1030526"/>
-            <a:ext cx="1130438" cy="369332"/>
+            <a:off x="11977581" y="11385032"/>
+            <a:ext cx="2361544" cy="731098"/>
           </a:xfrm>
           <a:prstGeom prst="rect">
             <a:avLst/>
@@ -7107,7 +7220,7 @@
         </p:nvSpPr>
         <p:spPr>
           <a:xfrm>
-            <a:off x="10360690" y="3535829"/>
+            <a:off x="14651703" y="13872835"/>
             <a:ext cx="1618219" cy="302484"/>
           </a:xfrm>
           <a:prstGeom prst="rect">
@@ -7172,7 +7285,7 @@
         </p:nvCxnSpPr>
         <p:spPr>
           <a:xfrm rot="16200000" flipV="1">
-            <a:off x="10079489" y="2445517"/>
+            <a:off x="14370502" y="12782524"/>
             <a:ext cx="602653" cy="1577971"/>
           </a:xfrm>
           <a:prstGeom prst="curvedConnector2">
@@ -7215,7 +7328,7 @@
         </p:nvSpPr>
         <p:spPr>
           <a:xfrm>
-            <a:off x="10329391" y="704989"/>
+            <a:off x="14620404" y="11041995"/>
             <a:ext cx="1618219" cy="302484"/>
           </a:xfrm>
           <a:prstGeom prst="rect">
@@ -7278,7 +7391,7 @@
         </p:nvCxnSpPr>
         <p:spPr>
           <a:xfrm rot="5400000">
-            <a:off x="10154194" y="996528"/>
+            <a:off x="14445207" y="11333534"/>
             <a:ext cx="916723" cy="1030838"/>
           </a:xfrm>
           <a:prstGeom prst="curvedConnector2">
@@ -7321,7 +7434,7 @@
         </p:nvSpPr>
         <p:spPr>
           <a:xfrm>
-            <a:off x="471793" y="7552497"/>
+            <a:off x="4762806" y="18434625"/>
             <a:ext cx="1618219" cy="302484"/>
           </a:xfrm>
           <a:prstGeom prst="rect">
@@ -7386,7 +7499,7 @@
         </p:nvCxnSpPr>
         <p:spPr>
           <a:xfrm rot="16200000" flipH="1">
-            <a:off x="1680690" y="7455194"/>
+            <a:off x="5971703" y="18337322"/>
             <a:ext cx="393507" cy="1193080"/>
           </a:xfrm>
           <a:prstGeom prst="curvedConnector2">
@@ -7433,7 +7546,7 @@
         </p:nvCxnSpPr>
         <p:spPr>
           <a:xfrm flipH="1" flipV="1">
-            <a:off x="7325312" y="4438401"/>
+            <a:off x="11616324" y="14775407"/>
             <a:ext cx="13860" cy="1062346"/>
           </a:xfrm>
           <a:prstGeom prst="straightConnector1">
@@ -7476,7 +7589,7 @@
         </p:nvSpPr>
         <p:spPr>
           <a:xfrm>
-            <a:off x="7299193" y="4942717"/>
+            <a:off x="11590206" y="15279723"/>
             <a:ext cx="1618219" cy="302484"/>
           </a:xfrm>
           <a:prstGeom prst="rect">
@@ -7537,7 +7650,7 @@
         </p:nvSpPr>
         <p:spPr>
           <a:xfrm>
-            <a:off x="4142551" y="169195"/>
+            <a:off x="8433564" y="10506201"/>
             <a:ext cx="6347649" cy="4540858"/>
           </a:xfrm>
           <a:prstGeom prst="rect">
@@ -7592,7 +7705,7 @@
         </p:nvSpPr>
         <p:spPr>
           <a:xfrm>
-            <a:off x="3985153" y="300807"/>
+            <a:off x="8276165" y="10637813"/>
             <a:ext cx="2232518" cy="198346"/>
           </a:xfrm>
           <a:prstGeom prst="rect">
@@ -7634,112 +7747,6 @@
               <a:t>CLI/Executor/App</a:t>
             </a:r>
             <a:endParaRPr lang="en-SE" dirty="0">
-              <a:latin typeface="Titillium Web" pitchFamily="2" charset="77"/>
-            </a:endParaRPr>
-          </a:p>
-        </p:txBody>
-      </p:sp>
-      <p:cxnSp>
-        <p:nvCxnSpPr>
-          <p:cNvPr id="107" name="Straight Arrow Connector 106">
-            <a:extLst>
-              <a:ext uri="{FF2B5EF4-FFF2-40B4-BE49-F238E27FC236}">
-                <a16:creationId xmlns:a16="http://schemas.microsoft.com/office/drawing/2014/main" id="{27A51767-9C90-D02A-C9BD-60651C5CFF69}"/>
-              </a:ext>
-            </a:extLst>
-          </p:cNvPr>
-          <p:cNvCxnSpPr>
-            <a:cxnSpLocks/>
-          </p:cNvCxnSpPr>
-          <p:nvPr/>
-        </p:nvCxnSpPr>
-        <p:spPr>
-          <a:xfrm flipH="1" flipV="1">
-            <a:off x="6152234" y="6192451"/>
-            <a:ext cx="1" cy="1133696"/>
-          </a:xfrm>
-          <a:prstGeom prst="straightConnector1">
-            <a:avLst/>
-          </a:prstGeom>
-          <a:ln w="15875">
-            <a:solidFill>
-              <a:schemeClr val="tx1"/>
-            </a:solidFill>
-            <a:headEnd type="triangle"/>
-            <a:tailEnd type="none"/>
-          </a:ln>
-        </p:spPr>
-        <p:style>
-          <a:lnRef idx="1">
-            <a:schemeClr val="accent1"/>
-          </a:lnRef>
-          <a:fillRef idx="0">
-            <a:schemeClr val="accent1"/>
-          </a:fillRef>
-          <a:effectRef idx="0">
-            <a:schemeClr val="accent1"/>
-          </a:effectRef>
-          <a:fontRef idx="minor">
-            <a:schemeClr val="tx1"/>
-          </a:fontRef>
-        </p:style>
-      </p:cxnSp>
-      <p:sp>
-        <p:nvSpPr>
-          <p:cNvPr id="108" name="Rectangle 107">
-            <a:extLst>
-              <a:ext uri="{FF2B5EF4-FFF2-40B4-BE49-F238E27FC236}">
-                <a16:creationId xmlns:a16="http://schemas.microsoft.com/office/drawing/2014/main" id="{C1DB538A-E133-0D6F-C67C-3FC85DD5DF8A}"/>
-              </a:ext>
-            </a:extLst>
-          </p:cNvPr>
-          <p:cNvSpPr/>
-          <p:nvPr/>
-        </p:nvSpPr>
-        <p:spPr>
-          <a:xfrm>
-            <a:off x="6096206" y="6624491"/>
-            <a:ext cx="1584831" cy="316353"/>
-          </a:xfrm>
-          <a:prstGeom prst="rect">
-            <a:avLst/>
-          </a:prstGeom>
-          <a:noFill/>
-          <a:ln>
-            <a:noFill/>
-          </a:ln>
-        </p:spPr>
-        <p:style>
-          <a:lnRef idx="2">
-            <a:schemeClr val="accent1">
-              <a:shade val="50000"/>
-            </a:schemeClr>
-          </a:lnRef>
-          <a:fillRef idx="1">
-            <a:schemeClr val="accent1"/>
-          </a:fillRef>
-          <a:effectRef idx="0">
-            <a:schemeClr val="accent1"/>
-          </a:effectRef>
-          <a:fontRef idx="minor">
-            <a:schemeClr val="lt1"/>
-          </a:fontRef>
-        </p:style>
-        <p:txBody>
-          <a:bodyPr rtlCol="0" anchor="ctr"/>
-          <a:lstStyle/>
-          <a:p>
-            <a:pPr algn="ctr"/>
-            <a:r>
-              <a:rPr lang="en-SE" sz="1400" dirty="0">
-                <a:solidFill>
-                  <a:schemeClr val="tx1"/>
-                </a:solidFill>
-                <a:latin typeface="Titillium Web" pitchFamily="2" charset="77"/>
-              </a:rPr>
-              <a:t>Deploy(Executor)</a:t>
-            </a:r>
-            <a:endParaRPr lang="en-SE" sz="1400" dirty="0">
               <a:latin typeface="Titillium Web" pitchFamily="2" charset="77"/>
             </a:endParaRPr>
           </a:p>
@@ -7761,7 +7768,7 @@
         </p:nvCxnSpPr>
         <p:spPr>
           <a:xfrm>
-            <a:off x="254000" y="5848569"/>
+            <a:off x="4545012" y="16185575"/>
             <a:ext cx="6146800" cy="0"/>
           </a:xfrm>
           <a:prstGeom prst="line">
@@ -7805,7 +7812,7 @@
         </p:nvCxnSpPr>
         <p:spPr>
           <a:xfrm>
-            <a:off x="8270642" y="5848569"/>
+            <a:off x="12561655" y="16185575"/>
             <a:ext cx="4410999" cy="0"/>
           </a:xfrm>
           <a:prstGeom prst="line">
@@ -7847,8 +7854,8 @@
         </p:nvSpPr>
         <p:spPr>
           <a:xfrm>
-            <a:off x="200407" y="5414258"/>
-            <a:ext cx="1189749" cy="369332"/>
+            <a:off x="4491419" y="15751264"/>
+            <a:ext cx="2496196" cy="731098"/>
           </a:xfrm>
           <a:prstGeom prst="rect">
             <a:avLst/>
@@ -7884,8 +7891,8 @@
         </p:nvSpPr>
         <p:spPr>
           <a:xfrm>
-            <a:off x="195437" y="5939150"/>
-            <a:ext cx="1593706" cy="369332"/>
+            <a:off x="4486449" y="16276156"/>
+            <a:ext cx="3422732" cy="731098"/>
           </a:xfrm>
           <a:prstGeom prst="rect">
             <a:avLst/>
@@ -7903,6 +7910,80 @@
                 <a:latin typeface="Titillium Web" pitchFamily="2" charset="77"/>
               </a:rPr>
               <a:t>Execution-layer</a:t>
+            </a:r>
+          </a:p>
+        </p:txBody>
+      </p:sp>
+      <p:sp>
+        <p:nvSpPr>
+          <p:cNvPr id="26" name="TextBox 25">
+            <a:extLst>
+              <a:ext uri="{FF2B5EF4-FFF2-40B4-BE49-F238E27FC236}">
+                <a16:creationId xmlns:a16="http://schemas.microsoft.com/office/drawing/2014/main" id="{BBB1B236-366F-7D2C-C706-BA85303AD043}"/>
+              </a:ext>
+            </a:extLst>
+          </p:cNvPr>
+          <p:cNvSpPr txBox="1"/>
+          <p:nvPr/>
+        </p:nvSpPr>
+        <p:spPr>
+          <a:xfrm>
+            <a:off x="14453659" y="17009775"/>
+            <a:ext cx="965329" cy="369332"/>
+          </a:xfrm>
+          <a:prstGeom prst="rect">
+            <a:avLst/>
+          </a:prstGeom>
+          <a:noFill/>
+        </p:spPr>
+        <p:txBody>
+          <a:bodyPr wrap="none" rtlCol="0">
+            <a:spAutoFit/>
+          </a:bodyPr>
+          <a:lstStyle/>
+          <a:p>
+            <a:r>
+              <a:rPr lang="en-SE" dirty="0">
+                <a:latin typeface="Titillium Web" pitchFamily="2" charset="77"/>
+              </a:rPr>
+              <a:t>Internet</a:t>
+            </a:r>
+          </a:p>
+        </p:txBody>
+      </p:sp>
+      <p:sp>
+        <p:nvSpPr>
+          <p:cNvPr id="28" name="TextBox 27">
+            <a:extLst>
+              <a:ext uri="{FF2B5EF4-FFF2-40B4-BE49-F238E27FC236}">
+                <a16:creationId xmlns:a16="http://schemas.microsoft.com/office/drawing/2014/main" id="{3D51C17A-9429-A2B2-3241-8E61197C2063}"/>
+              </a:ext>
+            </a:extLst>
+          </p:cNvPr>
+          <p:cNvSpPr txBox="1"/>
+          <p:nvPr/>
+        </p:nvSpPr>
+        <p:spPr>
+          <a:xfrm>
+            <a:off x="8575969" y="17083344"/>
+            <a:ext cx="1027845" cy="369332"/>
+          </a:xfrm>
+          <a:prstGeom prst="rect">
+            <a:avLst/>
+          </a:prstGeom>
+          <a:noFill/>
+        </p:spPr>
+        <p:txBody>
+          <a:bodyPr wrap="none" rtlCol="0">
+            <a:spAutoFit/>
+          </a:bodyPr>
+          <a:lstStyle/>
+          <a:p>
+            <a:r>
+              <a:rPr lang="en-SE" dirty="0">
+                <a:latin typeface="Titillium Web" pitchFamily="2" charset="77"/>
+              </a:rPr>
+              <a:t>Network</a:t>
             </a:r>
           </a:p>
         </p:txBody>

--- a/docs/Arch.pptx
+++ b/docs/Arch.pptx
@@ -197,7 +197,7 @@
           <a:p>
             <a:fld id="{A603F693-7AFA-224D-ACC2-3E9653300C28}" type="datetimeFigureOut">
               <a:rPr lang="en-SE" smtClean="0"/>
-              <a:t>2023-02-08</a:t>
+              <a:t>2023-03-09</a:t>
             </a:fld>
             <a:endParaRPr lang="en-SE"/>
           </a:p>
@@ -685,7 +685,7 @@
           <a:p>
             <a:fld id="{4C2FD98A-B560-5C4B-BDA6-A3DF584C71B9}" type="datetimeFigureOut">
               <a:rPr lang="en-SE" smtClean="0"/>
-              <a:t>2023-02-08</a:t>
+              <a:t>2023-03-09</a:t>
             </a:fld>
             <a:endParaRPr lang="en-SE"/>
           </a:p>
@@ -855,7 +855,7 @@
           <a:p>
             <a:fld id="{4C2FD98A-B560-5C4B-BDA6-A3DF584C71B9}" type="datetimeFigureOut">
               <a:rPr lang="en-SE" smtClean="0"/>
-              <a:t>2023-02-08</a:t>
+              <a:t>2023-03-09</a:t>
             </a:fld>
             <a:endParaRPr lang="en-SE"/>
           </a:p>
@@ -1035,7 +1035,7 @@
           <a:p>
             <a:fld id="{4C2FD98A-B560-5C4B-BDA6-A3DF584C71B9}" type="datetimeFigureOut">
               <a:rPr lang="en-SE" smtClean="0"/>
-              <a:t>2023-02-08</a:t>
+              <a:t>2023-03-09</a:t>
             </a:fld>
             <a:endParaRPr lang="en-SE"/>
           </a:p>
@@ -1205,7 +1205,7 @@
           <a:p>
             <a:fld id="{4C2FD98A-B560-5C4B-BDA6-A3DF584C71B9}" type="datetimeFigureOut">
               <a:rPr lang="en-SE" smtClean="0"/>
-              <a:t>2023-02-08</a:t>
+              <a:t>2023-03-09</a:t>
             </a:fld>
             <a:endParaRPr lang="en-SE"/>
           </a:p>
@@ -1449,7 +1449,7 @@
           <a:p>
             <a:fld id="{4C2FD98A-B560-5C4B-BDA6-A3DF584C71B9}" type="datetimeFigureOut">
               <a:rPr lang="en-SE" smtClean="0"/>
-              <a:t>2023-02-08</a:t>
+              <a:t>2023-03-09</a:t>
             </a:fld>
             <a:endParaRPr lang="en-SE"/>
           </a:p>
@@ -1681,7 +1681,7 @@
           <a:p>
             <a:fld id="{4C2FD98A-B560-5C4B-BDA6-A3DF584C71B9}" type="datetimeFigureOut">
               <a:rPr lang="en-SE" smtClean="0"/>
-              <a:t>2023-02-08</a:t>
+              <a:t>2023-03-09</a:t>
             </a:fld>
             <a:endParaRPr lang="en-SE"/>
           </a:p>
@@ -2048,7 +2048,7 @@
           <a:p>
             <a:fld id="{4C2FD98A-B560-5C4B-BDA6-A3DF584C71B9}" type="datetimeFigureOut">
               <a:rPr lang="en-SE" smtClean="0"/>
-              <a:t>2023-02-08</a:t>
+              <a:t>2023-03-09</a:t>
             </a:fld>
             <a:endParaRPr lang="en-SE"/>
           </a:p>
@@ -2166,7 +2166,7 @@
           <a:p>
             <a:fld id="{4C2FD98A-B560-5C4B-BDA6-A3DF584C71B9}" type="datetimeFigureOut">
               <a:rPr lang="en-SE" smtClean="0"/>
-              <a:t>2023-02-08</a:t>
+              <a:t>2023-03-09</a:t>
             </a:fld>
             <a:endParaRPr lang="en-SE"/>
           </a:p>
@@ -2261,7 +2261,7 @@
           <a:p>
             <a:fld id="{4C2FD98A-B560-5C4B-BDA6-A3DF584C71B9}" type="datetimeFigureOut">
               <a:rPr lang="en-SE" smtClean="0"/>
-              <a:t>2023-02-08</a:t>
+              <a:t>2023-03-09</a:t>
             </a:fld>
             <a:endParaRPr lang="en-SE"/>
           </a:p>
@@ -2538,7 +2538,7 @@
           <a:p>
             <a:fld id="{4C2FD98A-B560-5C4B-BDA6-A3DF584C71B9}" type="datetimeFigureOut">
               <a:rPr lang="en-SE" smtClean="0"/>
-              <a:t>2023-02-08</a:t>
+              <a:t>2023-03-09</a:t>
             </a:fld>
             <a:endParaRPr lang="en-SE"/>
           </a:p>
@@ -2795,7 +2795,7 @@
           <a:p>
             <a:fld id="{4C2FD98A-B560-5C4B-BDA6-A3DF584C71B9}" type="datetimeFigureOut">
               <a:rPr lang="en-SE" smtClean="0"/>
-              <a:t>2023-02-08</a:t>
+              <a:t>2023-03-09</a:t>
             </a:fld>
             <a:endParaRPr lang="en-SE"/>
           </a:p>
@@ -3008,7 +3008,7 @@
           <a:p>
             <a:fld id="{4C2FD98A-B560-5C4B-BDA6-A3DF584C71B9}" type="datetimeFigureOut">
               <a:rPr lang="en-SE" smtClean="0"/>
-              <a:t>2023-02-08</a:t>
+              <a:t>2023-03-09</a:t>
             </a:fld>
             <a:endParaRPr lang="en-SE"/>
           </a:p>
@@ -7259,7 +7259,7 @@
                 </a:solidFill>
                 <a:latin typeface="Titillium Web" pitchFamily="2" charset="77"/>
               </a:rPr>
-              <a:t>Process spec</a:t>
+              <a:t>Function spec</a:t>
             </a:r>
             <a:endParaRPr lang="en-SE" sz="1400" dirty="0">
               <a:latin typeface="Titillium Web" pitchFamily="2" charset="77"/>

--- a/docs/Arch.pptx
+++ b/docs/Arch.pptx
@@ -5,10 +5,11 @@
     <p:sldMasterId id="2147483673" r:id="rId1"/>
   </p:sldMasterIdLst>
   <p:notesMasterIdLst>
-    <p:notesMasterId r:id="rId3"/>
+    <p:notesMasterId r:id="rId4"/>
   </p:notesMasterIdLst>
   <p:sldIdLst>
     <p:sldId id="271" r:id="rId2"/>
+    <p:sldId id="272" r:id="rId3"/>
   </p:sldIdLst>
   <p:sldSz cx="21383625" cy="30275213"/>
   <p:notesSz cx="6858000" cy="9144000"/>
@@ -197,7 +198,7 @@
           <a:p>
             <a:fld id="{A603F693-7AFA-224D-ACC2-3E9653300C28}" type="datetimeFigureOut">
               <a:rPr lang="en-SE" smtClean="0"/>
-              <a:t>2023-03-09</a:t>
+              <a:t>2023-04-16</a:t>
             </a:fld>
             <a:endParaRPr lang="en-SE"/>
           </a:p>
@@ -685,7 +686,7 @@
           <a:p>
             <a:fld id="{4C2FD98A-B560-5C4B-BDA6-A3DF584C71B9}" type="datetimeFigureOut">
               <a:rPr lang="en-SE" smtClean="0"/>
-              <a:t>2023-03-09</a:t>
+              <a:t>2023-04-16</a:t>
             </a:fld>
             <a:endParaRPr lang="en-SE"/>
           </a:p>
@@ -855,7 +856,7 @@
           <a:p>
             <a:fld id="{4C2FD98A-B560-5C4B-BDA6-A3DF584C71B9}" type="datetimeFigureOut">
               <a:rPr lang="en-SE" smtClean="0"/>
-              <a:t>2023-03-09</a:t>
+              <a:t>2023-04-16</a:t>
             </a:fld>
             <a:endParaRPr lang="en-SE"/>
           </a:p>
@@ -1035,7 +1036,7 @@
           <a:p>
             <a:fld id="{4C2FD98A-B560-5C4B-BDA6-A3DF584C71B9}" type="datetimeFigureOut">
               <a:rPr lang="en-SE" smtClean="0"/>
-              <a:t>2023-03-09</a:t>
+              <a:t>2023-04-16</a:t>
             </a:fld>
             <a:endParaRPr lang="en-SE"/>
           </a:p>
@@ -1205,7 +1206,7 @@
           <a:p>
             <a:fld id="{4C2FD98A-B560-5C4B-BDA6-A3DF584C71B9}" type="datetimeFigureOut">
               <a:rPr lang="en-SE" smtClean="0"/>
-              <a:t>2023-03-09</a:t>
+              <a:t>2023-04-16</a:t>
             </a:fld>
             <a:endParaRPr lang="en-SE"/>
           </a:p>
@@ -1449,7 +1450,7 @@
           <a:p>
             <a:fld id="{4C2FD98A-B560-5C4B-BDA6-A3DF584C71B9}" type="datetimeFigureOut">
               <a:rPr lang="en-SE" smtClean="0"/>
-              <a:t>2023-03-09</a:t>
+              <a:t>2023-04-16</a:t>
             </a:fld>
             <a:endParaRPr lang="en-SE"/>
           </a:p>
@@ -1681,7 +1682,7 @@
           <a:p>
             <a:fld id="{4C2FD98A-B560-5C4B-BDA6-A3DF584C71B9}" type="datetimeFigureOut">
               <a:rPr lang="en-SE" smtClean="0"/>
-              <a:t>2023-03-09</a:t>
+              <a:t>2023-04-16</a:t>
             </a:fld>
             <a:endParaRPr lang="en-SE"/>
           </a:p>
@@ -2048,7 +2049,7 @@
           <a:p>
             <a:fld id="{4C2FD98A-B560-5C4B-BDA6-A3DF584C71B9}" type="datetimeFigureOut">
               <a:rPr lang="en-SE" smtClean="0"/>
-              <a:t>2023-03-09</a:t>
+              <a:t>2023-04-16</a:t>
             </a:fld>
             <a:endParaRPr lang="en-SE"/>
           </a:p>
@@ -2166,7 +2167,7 @@
           <a:p>
             <a:fld id="{4C2FD98A-B560-5C4B-BDA6-A3DF584C71B9}" type="datetimeFigureOut">
               <a:rPr lang="en-SE" smtClean="0"/>
-              <a:t>2023-03-09</a:t>
+              <a:t>2023-04-16</a:t>
             </a:fld>
             <a:endParaRPr lang="en-SE"/>
           </a:p>
@@ -2261,7 +2262,7 @@
           <a:p>
             <a:fld id="{4C2FD98A-B560-5C4B-BDA6-A3DF584C71B9}" type="datetimeFigureOut">
               <a:rPr lang="en-SE" smtClean="0"/>
-              <a:t>2023-03-09</a:t>
+              <a:t>2023-04-16</a:t>
             </a:fld>
             <a:endParaRPr lang="en-SE"/>
           </a:p>
@@ -2538,7 +2539,7 @@
           <a:p>
             <a:fld id="{4C2FD98A-B560-5C4B-BDA6-A3DF584C71B9}" type="datetimeFigureOut">
               <a:rPr lang="en-SE" smtClean="0"/>
-              <a:t>2023-03-09</a:t>
+              <a:t>2023-04-16</a:t>
             </a:fld>
             <a:endParaRPr lang="en-SE"/>
           </a:p>
@@ -2795,7 +2796,7 @@
           <a:p>
             <a:fld id="{4C2FD98A-B560-5C4B-BDA6-A3DF584C71B9}" type="datetimeFigureOut">
               <a:rPr lang="en-SE" smtClean="0"/>
-              <a:t>2023-03-09</a:t>
+              <a:t>2023-04-16</a:t>
             </a:fld>
             <a:endParaRPr lang="en-SE"/>
           </a:p>
@@ -3008,7 +3009,7 @@
           <a:p>
             <a:fld id="{4C2FD98A-B560-5C4B-BDA6-A3DF584C71B9}" type="datetimeFigureOut">
               <a:rPr lang="en-SE" smtClean="0"/>
-              <a:t>2023-03-09</a:t>
+              <a:t>2023-04-16</a:t>
             </a:fld>
             <a:endParaRPr lang="en-SE"/>
           </a:p>
@@ -3415,60 +3416,6 @@
       </p:grpSpPr>
       <p:sp>
         <p:nvSpPr>
-          <p:cNvPr id="19" name="Cloud 18">
-            <a:extLst>
-              <a:ext uri="{FF2B5EF4-FFF2-40B4-BE49-F238E27FC236}">
-                <a16:creationId xmlns:a16="http://schemas.microsoft.com/office/drawing/2014/main" id="{78563AF7-DF64-FFCA-F8B6-FA41F2A4A2CE}"/>
-              </a:ext>
-            </a:extLst>
-          </p:cNvPr>
-          <p:cNvSpPr/>
-          <p:nvPr/>
-        </p:nvSpPr>
-        <p:spPr>
-          <a:xfrm>
-            <a:off x="6599468" y="16741722"/>
-            <a:ext cx="3891719" cy="1160584"/>
-          </a:xfrm>
-          <a:prstGeom prst="cloud">
-            <a:avLst/>
-          </a:prstGeom>
-          <a:solidFill>
-            <a:schemeClr val="bg1">
-              <a:lumMod val="85000"/>
-            </a:schemeClr>
-          </a:solidFill>
-          <a:ln>
-            <a:noFill/>
-          </a:ln>
-        </p:spPr>
-        <p:style>
-          <a:lnRef idx="2">
-            <a:schemeClr val="accent1">
-              <a:shade val="50000"/>
-            </a:schemeClr>
-          </a:lnRef>
-          <a:fillRef idx="1">
-            <a:schemeClr val="accent1"/>
-          </a:fillRef>
-          <a:effectRef idx="0">
-            <a:schemeClr val="accent1"/>
-          </a:effectRef>
-          <a:fontRef idx="minor">
-            <a:schemeClr val="lt1"/>
-          </a:fontRef>
-        </p:style>
-        <p:txBody>
-          <a:bodyPr rtlCol="0" anchor="ctr"/>
-          <a:lstStyle/>
-          <a:p>
-            <a:pPr algn="ctr"/>
-            <a:endParaRPr lang="en-SE"/>
-          </a:p>
-        </p:txBody>
-      </p:sp>
-      <p:sp>
-        <p:nvSpPr>
           <p:cNvPr id="25" name="Cloud 24">
             <a:extLst>
               <a:ext uri="{FF2B5EF4-FFF2-40B4-BE49-F238E27FC236}">
@@ -3481,16 +3428,14 @@
         </p:nvSpPr>
         <p:spPr>
           <a:xfrm>
-            <a:off x="10592392" y="16645981"/>
-            <a:ext cx="6004813" cy="1221817"/>
+            <a:off x="5756338" y="16907918"/>
+            <a:ext cx="10840867" cy="875942"/>
           </a:xfrm>
           <a:prstGeom prst="cloud">
             <a:avLst/>
           </a:prstGeom>
           <a:solidFill>
-            <a:schemeClr val="bg1">
-              <a:lumMod val="85000"/>
-            </a:schemeClr>
+            <a:schemeClr val="bg2"/>
           </a:solidFill>
           <a:ln>
             <a:noFill/>
@@ -3542,11 +3487,9 @@
             <a:avLst/>
           </a:prstGeom>
           <a:solidFill>
-            <a:schemeClr val="bg1">
-              <a:lumMod val="85000"/>
-            </a:schemeClr>
+            <a:schemeClr val="bg2"/>
           </a:solidFill>
-          <a:ln>
+          <a:ln w="22225">
             <a:noFill/>
           </a:ln>
         </p:spPr>
@@ -3571,7 +3514,7 @@
           <a:lstStyle/>
           <a:p>
             <a:pPr algn="ctr"/>
-            <a:endParaRPr lang="en-SE"/>
+            <a:endParaRPr lang="en-SE" dirty="0"/>
           </a:p>
         </p:txBody>
       </p:sp>
@@ -3596,16 +3539,11 @@
             <a:avLst/>
           </a:prstGeom>
           <a:solidFill>
-            <a:schemeClr val="accent6">
-              <a:lumMod val="40000"/>
-              <a:lumOff val="60000"/>
-            </a:schemeClr>
+            <a:srgbClr val="B58900"/>
           </a:solidFill>
-          <a:ln>
+          <a:ln w="22225">
             <a:solidFill>
-              <a:schemeClr val="accent1">
-                <a:shade val="50000"/>
-              </a:schemeClr>
+              <a:schemeClr val="tx1"/>
             </a:solidFill>
             <a:prstDash val="dash"/>
           </a:ln>
@@ -3691,16 +3629,11 @@
             <a:avLst/>
           </a:prstGeom>
           <a:solidFill>
-            <a:schemeClr val="accent4">
-              <a:lumMod val="40000"/>
-              <a:lumOff val="60000"/>
-            </a:schemeClr>
+            <a:srgbClr val="859A00"/>
           </a:solidFill>
-          <a:ln>
+          <a:ln w="22225">
             <a:solidFill>
-              <a:schemeClr val="accent1">
-                <a:shade val="50000"/>
-              </a:schemeClr>
+              <a:schemeClr val="tx1"/>
             </a:solidFill>
             <a:prstDash val="dash"/>
           </a:ln>
@@ -3786,16 +3719,11 @@
             <a:avLst/>
           </a:prstGeom>
           <a:solidFill>
-            <a:schemeClr val="accent5">
-              <a:lumMod val="40000"/>
-              <a:lumOff val="60000"/>
-            </a:schemeClr>
+            <a:srgbClr val="D33682"/>
           </a:solidFill>
-          <a:ln>
+          <a:ln w="22225">
             <a:solidFill>
-              <a:schemeClr val="accent1">
-                <a:shade val="50000"/>
-              </a:schemeClr>
+              <a:schemeClr val="tx1"/>
             </a:solidFill>
             <a:prstDash val="dash"/>
           </a:ln>
@@ -3881,9 +3809,9 @@
             <a:avLst/>
           </a:prstGeom>
           <a:solidFill>
-            <a:srgbClr val="73FDD6"/>
+            <a:srgbClr val="2BA198"/>
           </a:solidFill>
-          <a:ln>
+          <a:ln w="22225">
             <a:solidFill>
               <a:schemeClr val="tx1"/>
             </a:solidFill>
@@ -3971,16 +3899,11 @@
             <a:avLst/>
           </a:prstGeom>
           <a:solidFill>
-            <a:schemeClr val="accent2">
-              <a:lumMod val="60000"/>
-              <a:lumOff val="40000"/>
-            </a:schemeClr>
+            <a:srgbClr val="6D70C4"/>
           </a:solidFill>
-          <a:ln>
+          <a:ln w="22225">
             <a:solidFill>
-              <a:schemeClr val="accent1">
-                <a:shade val="50000"/>
-              </a:schemeClr>
+              <a:schemeClr val="tx1"/>
             </a:solidFill>
             <a:prstDash val="dash"/>
           </a:ln>
@@ -4066,16 +3989,11 @@
             <a:avLst/>
           </a:prstGeom>
           <a:solidFill>
-            <a:schemeClr val="accent2">
-              <a:lumMod val="60000"/>
-              <a:lumOff val="40000"/>
-            </a:schemeClr>
+            <a:srgbClr val="6D70C4"/>
           </a:solidFill>
-          <a:ln>
+          <a:ln w="22225">
             <a:solidFill>
-              <a:schemeClr val="accent1">
-                <a:shade val="50000"/>
-              </a:schemeClr>
+              <a:schemeClr val="tx1"/>
             </a:solidFill>
             <a:prstDash val="dash"/>
           </a:ln>
@@ -4161,16 +4079,11 @@
             <a:avLst/>
           </a:prstGeom>
           <a:solidFill>
-            <a:schemeClr val="accent2">
-              <a:lumMod val="60000"/>
-              <a:lumOff val="40000"/>
-            </a:schemeClr>
+            <a:srgbClr val="6D70C4"/>
           </a:solidFill>
-          <a:ln>
+          <a:ln w="22225">
             <a:solidFill>
-              <a:schemeClr val="accent1">
-                <a:shade val="50000"/>
-              </a:schemeClr>
+              <a:schemeClr val="tx1"/>
             </a:solidFill>
             <a:prstDash val="dash"/>
           </a:ln>
@@ -4259,7 +4172,7 @@
           <a:prstGeom prst="line">
             <a:avLst/>
           </a:prstGeom>
-          <a:ln w="9525">
+          <a:ln w="22225">
             <a:solidFill>
               <a:schemeClr val="tx1"/>
             </a:solidFill>
@@ -4304,7 +4217,7 @@
           <a:prstGeom prst="line">
             <a:avLst/>
           </a:prstGeom>
-          <a:ln w="9525">
+          <a:ln w="22225">
             <a:solidFill>
               <a:schemeClr val="tx1"/>
             </a:solidFill>
@@ -4346,9 +4259,9 @@
             <a:avLst/>
           </a:prstGeom>
           <a:solidFill>
-            <a:srgbClr val="73FDD6"/>
+            <a:srgbClr val="2BA198"/>
           </a:solidFill>
-          <a:ln>
+          <a:ln w="22225">
             <a:solidFill>
               <a:schemeClr val="tx1"/>
             </a:solidFill>
@@ -4439,7 +4352,7 @@
           <a:prstGeom prst="line">
             <a:avLst/>
           </a:prstGeom>
-          <a:ln w="9525">
+          <a:ln w="22225">
             <a:solidFill>
               <a:schemeClr val="tx1"/>
             </a:solidFill>
@@ -4484,7 +4397,7 @@
           <a:prstGeom prst="line">
             <a:avLst/>
           </a:prstGeom>
-          <a:ln w="9525">
+          <a:ln w="22225">
             <a:solidFill>
               <a:schemeClr val="tx1"/>
             </a:solidFill>
@@ -4529,7 +4442,7 @@
           <a:prstGeom prst="line">
             <a:avLst/>
           </a:prstGeom>
-          <a:ln w="9525">
+          <a:ln w="22225">
             <a:solidFill>
               <a:schemeClr val="tx1"/>
             </a:solidFill>
@@ -4574,7 +4487,7 @@
           <a:prstGeom prst="line">
             <a:avLst/>
           </a:prstGeom>
-          <a:ln w="9525">
+          <a:ln w="22225">
             <a:solidFill>
               <a:schemeClr val="tx1"/>
             </a:solidFill>
@@ -4619,7 +4532,7 @@
           <a:prstGeom prst="line">
             <a:avLst/>
           </a:prstGeom>
-          <a:ln w="9525">
+          <a:ln w="22225">
             <a:solidFill>
               <a:schemeClr val="tx1"/>
             </a:solidFill>
@@ -4664,7 +4577,7 @@
           <a:prstGeom prst="line">
             <a:avLst/>
           </a:prstGeom>
-          <a:ln w="9525">
+          <a:ln w="22225">
             <a:solidFill>
               <a:schemeClr val="tx1"/>
             </a:solidFill>
@@ -4706,16 +4619,11 @@
             <a:avLst/>
           </a:prstGeom>
           <a:solidFill>
-            <a:schemeClr val="accent2">
-              <a:lumMod val="60000"/>
-              <a:lumOff val="40000"/>
-            </a:schemeClr>
+            <a:srgbClr val="6D70C4"/>
           </a:solidFill>
-          <a:ln>
+          <a:ln w="22225">
             <a:solidFill>
-              <a:schemeClr val="accent1">
-                <a:shade val="50000"/>
-              </a:schemeClr>
+              <a:schemeClr val="tx1"/>
             </a:solidFill>
             <a:prstDash val="dash"/>
           </a:ln>
@@ -4804,7 +4712,7 @@
           <a:prstGeom prst="line">
             <a:avLst/>
           </a:prstGeom>
-          <a:ln w="9525">
+          <a:ln w="22225">
             <a:solidFill>
               <a:schemeClr val="tx1"/>
             </a:solidFill>
@@ -4849,7 +4757,7 @@
           <a:prstGeom prst="line">
             <a:avLst/>
           </a:prstGeom>
-          <a:ln w="9525">
+          <a:ln w="22225">
             <a:solidFill>
               <a:schemeClr val="tx1"/>
             </a:solidFill>
@@ -4894,7 +4802,7 @@
           <a:prstGeom prst="line">
             <a:avLst/>
           </a:prstGeom>
-          <a:ln w="9525">
+          <a:ln w="22225">
             <a:solidFill>
               <a:schemeClr val="tx1"/>
             </a:solidFill>
@@ -4936,10 +4844,7 @@
             <a:avLst/>
           </a:prstGeom>
           <a:solidFill>
-            <a:schemeClr val="accent2">
-              <a:lumMod val="40000"/>
-              <a:lumOff val="60000"/>
-            </a:schemeClr>
+            <a:srgbClr val="258BD2"/>
           </a:solidFill>
           <a:ln>
             <a:noFill/>
@@ -4967,13 +4872,13 @@
           <a:p>
             <a:pPr algn="ctr"/>
             <a:r>
-              <a:rPr lang="en-SE" dirty="0">
+              <a:rPr lang="en-SE" sz="2800" dirty="0">
                 <a:solidFill>
                   <a:schemeClr val="tx1"/>
                 </a:solidFill>
                 <a:latin typeface="Titillium Web" pitchFamily="2" charset="77"/>
               </a:rPr>
-              <a:t>Colonies Server</a:t>
+              <a:t>Colonies Servers</a:t>
             </a:r>
           </a:p>
         </p:txBody>
@@ -5234,7 +5139,7 @@
                 </a:solidFill>
                 <a:latin typeface="Titillium Web" pitchFamily="2" charset="77"/>
               </a:rPr>
-              <a:t>Executor</a:t>
+              <a:t>Executor B</a:t>
             </a:r>
             <a:endParaRPr lang="en-SE" dirty="0">
               <a:latin typeface="Titillium Web" pitchFamily="2" charset="77"/>
@@ -5263,10 +5168,7 @@
             <a:avLst/>
           </a:prstGeom>
           <a:solidFill>
-            <a:schemeClr val="accent2">
-              <a:lumMod val="60000"/>
-              <a:lumOff val="40000"/>
-            </a:schemeClr>
+            <a:srgbClr val="6D70C4"/>
           </a:solidFill>
           <a:ln>
             <a:noFill/>
@@ -5353,10 +5255,7 @@
             <a:avLst/>
           </a:prstGeom>
           <a:solidFill>
-            <a:schemeClr val="accent2">
-              <a:lumMod val="60000"/>
-              <a:lumOff val="40000"/>
-            </a:schemeClr>
+            <a:srgbClr val="6D70C4"/>
           </a:solidFill>
           <a:ln>
             <a:noFill/>
@@ -5498,10 +5397,7 @@
             <a:avLst/>
           </a:prstGeom>
           <a:solidFill>
-            <a:schemeClr val="accent2">
-              <a:lumMod val="60000"/>
-              <a:lumOff val="40000"/>
-            </a:schemeClr>
+            <a:srgbClr val="6D70C4"/>
           </a:solidFill>
           <a:ln>
             <a:noFill/>
@@ -5588,10 +5484,7 @@
             <a:avLst/>
           </a:prstGeom>
           <a:solidFill>
-            <a:schemeClr val="accent2">
-              <a:lumMod val="60000"/>
-              <a:lumOff val="40000"/>
-            </a:schemeClr>
+            <a:srgbClr val="6D70C4"/>
           </a:solidFill>
           <a:ln>
             <a:noFill/>
@@ -5770,7 +5663,7 @@
             <a:avLst/>
           </a:prstGeom>
           <a:solidFill>
-            <a:srgbClr val="73FDD6"/>
+            <a:srgbClr val="2BA198"/>
           </a:solidFill>
           <a:ln>
             <a:noFill/>
@@ -5905,17 +5798,14 @@
         </p:nvSpPr>
         <p:spPr>
           <a:xfrm>
-            <a:off x="11839976" y="18816758"/>
+            <a:off x="12206225" y="18814495"/>
             <a:ext cx="606287" cy="626165"/>
           </a:xfrm>
           <a:prstGeom prst="ellipse">
             <a:avLst/>
           </a:prstGeom>
           <a:solidFill>
-            <a:schemeClr val="accent5">
-              <a:lumMod val="40000"/>
-              <a:lumOff val="60000"/>
-            </a:schemeClr>
+            <a:srgbClr val="D33682"/>
           </a:solidFill>
           <a:ln>
             <a:noFill/>
@@ -6057,10 +5947,7 @@
             <a:avLst/>
           </a:prstGeom>
           <a:solidFill>
-            <a:schemeClr val="accent6">
-              <a:lumMod val="40000"/>
-              <a:lumOff val="60000"/>
-            </a:schemeClr>
+            <a:srgbClr val="B58900"/>
           </a:solidFill>
           <a:ln>
             <a:noFill/>
@@ -6195,17 +6082,14 @@
         </p:nvSpPr>
         <p:spPr>
           <a:xfrm>
-            <a:off x="15536479" y="18816758"/>
+            <a:off x="15602469" y="18827931"/>
             <a:ext cx="606287" cy="626165"/>
           </a:xfrm>
           <a:prstGeom prst="ellipse">
             <a:avLst/>
           </a:prstGeom>
           <a:solidFill>
-            <a:schemeClr val="accent4">
-              <a:lumMod val="40000"/>
-              <a:lumOff val="60000"/>
-            </a:schemeClr>
+            <a:srgbClr val="859A00"/>
           </a:solidFill>
           <a:ln>
             <a:noFill/>
@@ -6285,14 +6169,14 @@
         </p:nvSpPr>
         <p:spPr>
           <a:xfrm>
-            <a:off x="12561655" y="18827931"/>
+            <a:off x="10873627" y="18814495"/>
             <a:ext cx="606287" cy="626165"/>
           </a:xfrm>
           <a:prstGeom prst="ellipse">
             <a:avLst/>
           </a:prstGeom>
           <a:solidFill>
-            <a:srgbClr val="73FDD6"/>
+            <a:srgbClr val="2BA198"/>
           </a:solidFill>
           <a:ln>
             <a:noFill/>
@@ -6382,7 +6266,7 @@
           <a:prstGeom prst="line">
             <a:avLst/>
           </a:prstGeom>
-          <a:ln w="9525">
+          <a:ln w="22225">
             <a:solidFill>
               <a:schemeClr val="tx1"/>
             </a:solidFill>
@@ -6493,7 +6377,7 @@
                 </a:solidFill>
                 <a:latin typeface="Titillium Web" pitchFamily="2" charset="77"/>
               </a:rPr>
-              <a:t>Executor</a:t>
+              <a:t>Executor C</a:t>
             </a:r>
             <a:endParaRPr lang="en-SE" dirty="0">
               <a:latin typeface="Titillium Web" pitchFamily="2" charset="77"/>
@@ -6554,7 +6438,7 @@
                 </a:solidFill>
                 <a:latin typeface="Titillium Web" pitchFamily="2" charset="77"/>
               </a:rPr>
-              <a:t>Executor</a:t>
+              <a:t>Executor D</a:t>
             </a:r>
             <a:endParaRPr lang="en-SE" dirty="0">
               <a:latin typeface="Titillium Web" pitchFamily="2" charset="77"/>
@@ -6615,7 +6499,7 @@
                 </a:solidFill>
                 <a:latin typeface="Titillium Web" pitchFamily="2" charset="77"/>
               </a:rPr>
-              <a:t>Executor</a:t>
+              <a:t>Executor E</a:t>
             </a:r>
             <a:endParaRPr lang="en-SE" dirty="0">
               <a:latin typeface="Titillium Web" pitchFamily="2" charset="77"/>
@@ -6676,7 +6560,7 @@
                 </a:solidFill>
                 <a:latin typeface="Titillium Web" pitchFamily="2" charset="77"/>
               </a:rPr>
-              <a:t>Executor</a:t>
+              <a:t>Executor F</a:t>
             </a:r>
             <a:endParaRPr lang="en-SE" dirty="0">
               <a:latin typeface="Titillium Web" pitchFamily="2" charset="77"/>
@@ -6737,7 +6621,7 @@
                 </a:solidFill>
                 <a:latin typeface="Titillium Web" pitchFamily="2" charset="77"/>
               </a:rPr>
-              <a:t>Executor</a:t>
+              <a:t>Executor G</a:t>
             </a:r>
             <a:endParaRPr lang="en-SE" dirty="0">
               <a:latin typeface="Titillium Web" pitchFamily="2" charset="77"/>
@@ -6767,7 +6651,7 @@
           <a:prstGeom prst="straightConnector1">
             <a:avLst/>
           </a:prstGeom>
-          <a:ln w="15875">
+          <a:ln w="31750">
             <a:solidFill>
               <a:schemeClr val="tx1"/>
             </a:solidFill>
@@ -6812,7 +6696,7 @@
           <a:prstGeom prst="straightConnector1">
             <a:avLst/>
           </a:prstGeom>
-          <a:ln w="15875">
+          <a:ln w="31750">
             <a:solidFill>
               <a:schemeClr val="tx1"/>
             </a:solidFill>
@@ -6910,7 +6794,7 @@
         </p:nvSpPr>
         <p:spPr>
           <a:xfrm>
-            <a:off x="5756338" y="17935100"/>
+            <a:off x="5729668" y="17884370"/>
             <a:ext cx="1383184" cy="263990"/>
           </a:xfrm>
           <a:prstGeom prst="rect">
@@ -6979,7 +6863,7 @@
           <a:prstGeom prst="straightConnector1">
             <a:avLst/>
           </a:prstGeom>
-          <a:ln w="15875">
+          <a:ln w="31750">
             <a:solidFill>
               <a:schemeClr val="tx1"/>
             </a:solidFill>
@@ -7016,7 +6900,7 @@
         </p:nvSpPr>
         <p:spPr>
           <a:xfrm>
-            <a:off x="7884377" y="17940546"/>
+            <a:off x="7905122" y="17887385"/>
             <a:ext cx="1383184" cy="263990"/>
           </a:xfrm>
           <a:prstGeom prst="rect">
@@ -7085,7 +6969,7 @@
           <a:prstGeom prst="straightConnector1">
             <a:avLst/>
           </a:prstGeom>
-          <a:ln w="15875">
+          <a:ln w="31750">
             <a:solidFill>
               <a:schemeClr val="tx1"/>
             </a:solidFill>
@@ -7122,7 +7006,7 @@
         </p:nvSpPr>
         <p:spPr>
           <a:xfrm>
-            <a:off x="13604095" y="17918573"/>
+            <a:off x="12876547" y="17902237"/>
             <a:ext cx="2418731" cy="263990"/>
           </a:xfrm>
           <a:prstGeom prst="rect">
@@ -7161,7 +7045,7 @@
                 </a:solidFill>
                 <a:latin typeface="Titillium Web" pitchFamily="2" charset="77"/>
               </a:rPr>
-              <a:t>Submit(Process/Workflow)</a:t>
+              <a:t>Submit</a:t>
             </a:r>
             <a:endParaRPr lang="en-SE" sz="1400" dirty="0">
               <a:latin typeface="Titillium Web" pitchFamily="2" charset="77"/>
@@ -7183,7 +7067,7 @@
         </p:nvSpPr>
         <p:spPr>
           <a:xfrm>
-            <a:off x="11977581" y="11385032"/>
+            <a:off x="11672141" y="11317307"/>
             <a:ext cx="2361544" cy="731098"/>
           </a:xfrm>
           <a:prstGeom prst="rect">
@@ -7552,7 +7436,7 @@
           <a:prstGeom prst="straightConnector1">
             <a:avLst/>
           </a:prstGeom>
-          <a:ln w="15875">
+          <a:ln w="31750">
             <a:solidFill>
               <a:schemeClr val="tx1"/>
             </a:solidFill>
@@ -7705,7 +7589,7 @@
         </p:nvSpPr>
         <p:spPr>
           <a:xfrm>
-            <a:off x="8276165" y="10637813"/>
+            <a:off x="7937697" y="10653370"/>
             <a:ext cx="2232518" cy="198346"/>
           </a:xfrm>
           <a:prstGeom prst="rect">
@@ -7744,173 +7628,11 @@
                 </a:solidFill>
                 <a:latin typeface="Titillium Web" pitchFamily="2" charset="77"/>
               </a:rPr>
-              <a:t>CLI/Executor/App</a:t>
+              <a:t>Executor A</a:t>
             </a:r>
             <a:endParaRPr lang="en-SE" dirty="0">
               <a:latin typeface="Titillium Web" pitchFamily="2" charset="77"/>
             </a:endParaRPr>
-          </a:p>
-        </p:txBody>
-      </p:sp>
-      <p:cxnSp>
-        <p:nvCxnSpPr>
-          <p:cNvPr id="110" name="Straight Connector 109">
-            <a:extLst>
-              <a:ext uri="{FF2B5EF4-FFF2-40B4-BE49-F238E27FC236}">
-                <a16:creationId xmlns:a16="http://schemas.microsoft.com/office/drawing/2014/main" id="{38B9ADEA-F6D3-6A0C-AD5F-340E2CDDD0C7}"/>
-              </a:ext>
-            </a:extLst>
-          </p:cNvPr>
-          <p:cNvCxnSpPr>
-            <a:cxnSpLocks/>
-          </p:cNvCxnSpPr>
-          <p:nvPr/>
-        </p:nvCxnSpPr>
-        <p:spPr>
-          <a:xfrm>
-            <a:off x="4545012" y="16185575"/>
-            <a:ext cx="6146800" cy="0"/>
-          </a:xfrm>
-          <a:prstGeom prst="line">
-            <a:avLst/>
-          </a:prstGeom>
-          <a:ln w="31750">
-            <a:solidFill>
-              <a:schemeClr val="tx1"/>
-            </a:solidFill>
-            <a:prstDash val="dash"/>
-          </a:ln>
-        </p:spPr>
-        <p:style>
-          <a:lnRef idx="1">
-            <a:schemeClr val="accent1"/>
-          </a:lnRef>
-          <a:fillRef idx="0">
-            <a:schemeClr val="accent1"/>
-          </a:fillRef>
-          <a:effectRef idx="0">
-            <a:schemeClr val="accent1"/>
-          </a:effectRef>
-          <a:fontRef idx="minor">
-            <a:schemeClr val="tx1"/>
-          </a:fontRef>
-        </p:style>
-      </p:cxnSp>
-      <p:cxnSp>
-        <p:nvCxnSpPr>
-          <p:cNvPr id="112" name="Straight Connector 111">
-            <a:extLst>
-              <a:ext uri="{FF2B5EF4-FFF2-40B4-BE49-F238E27FC236}">
-                <a16:creationId xmlns:a16="http://schemas.microsoft.com/office/drawing/2014/main" id="{F62E5A9C-06DF-CC37-348F-8C88A24B9F6A}"/>
-              </a:ext>
-            </a:extLst>
-          </p:cNvPr>
-          <p:cNvCxnSpPr>
-            <a:cxnSpLocks/>
-          </p:cNvCxnSpPr>
-          <p:nvPr/>
-        </p:nvCxnSpPr>
-        <p:spPr>
-          <a:xfrm>
-            <a:off x="12561655" y="16185575"/>
-            <a:ext cx="4410999" cy="0"/>
-          </a:xfrm>
-          <a:prstGeom prst="line">
-            <a:avLst/>
-          </a:prstGeom>
-          <a:ln w="31750">
-            <a:solidFill>
-              <a:schemeClr val="tx1"/>
-            </a:solidFill>
-            <a:prstDash val="dash"/>
-          </a:ln>
-        </p:spPr>
-        <p:style>
-          <a:lnRef idx="1">
-            <a:schemeClr val="accent1"/>
-          </a:lnRef>
-          <a:fillRef idx="0">
-            <a:schemeClr val="accent1"/>
-          </a:fillRef>
-          <a:effectRef idx="0">
-            <a:schemeClr val="accent1"/>
-          </a:effectRef>
-          <a:fontRef idx="minor">
-            <a:schemeClr val="tx1"/>
-          </a:fontRef>
-        </p:style>
-      </p:cxnSp>
-      <p:sp>
-        <p:nvSpPr>
-          <p:cNvPr id="114" name="TextBox 113">
-            <a:extLst>
-              <a:ext uri="{FF2B5EF4-FFF2-40B4-BE49-F238E27FC236}">
-                <a16:creationId xmlns:a16="http://schemas.microsoft.com/office/drawing/2014/main" id="{DE2A48F5-2371-98BC-6E30-E3688EE88365}"/>
-              </a:ext>
-            </a:extLst>
-          </p:cNvPr>
-          <p:cNvSpPr txBox="1"/>
-          <p:nvPr/>
-        </p:nvSpPr>
-        <p:spPr>
-          <a:xfrm>
-            <a:off x="4491419" y="15751264"/>
-            <a:ext cx="2496196" cy="731098"/>
-          </a:xfrm>
-          <a:prstGeom prst="rect">
-            <a:avLst/>
-          </a:prstGeom>
-          <a:noFill/>
-        </p:spPr>
-        <p:txBody>
-          <a:bodyPr wrap="none" rtlCol="0">
-            <a:spAutoFit/>
-          </a:bodyPr>
-          <a:lstStyle/>
-          <a:p>
-            <a:r>
-              <a:rPr lang="en-SE" i="1" dirty="0">
-                <a:latin typeface="Titillium Web" pitchFamily="2" charset="77"/>
-              </a:rPr>
-              <a:t>Meta-layer</a:t>
-            </a:r>
-          </a:p>
-        </p:txBody>
-      </p:sp>
-      <p:sp>
-        <p:nvSpPr>
-          <p:cNvPr id="115" name="TextBox 114">
-            <a:extLst>
-              <a:ext uri="{FF2B5EF4-FFF2-40B4-BE49-F238E27FC236}">
-                <a16:creationId xmlns:a16="http://schemas.microsoft.com/office/drawing/2014/main" id="{48C9B248-3A78-85D6-37ED-0F57F20D1CDE}"/>
-              </a:ext>
-            </a:extLst>
-          </p:cNvPr>
-          <p:cNvSpPr txBox="1"/>
-          <p:nvPr/>
-        </p:nvSpPr>
-        <p:spPr>
-          <a:xfrm>
-            <a:off x="4486449" y="16276156"/>
-            <a:ext cx="3422732" cy="731098"/>
-          </a:xfrm>
-          <a:prstGeom prst="rect">
-            <a:avLst/>
-          </a:prstGeom>
-          <a:noFill/>
-        </p:spPr>
-        <p:txBody>
-          <a:bodyPr wrap="none" rtlCol="0">
-            <a:spAutoFit/>
-          </a:bodyPr>
-          <a:lstStyle/>
-          <a:p>
-            <a:r>
-              <a:rPr lang="en-SE" i="1" dirty="0">
-                <a:latin typeface="Titillium Web" pitchFamily="2" charset="77"/>
-              </a:rPr>
-              <a:t>Execution-layer</a:t>
-            </a:r>
           </a:p>
         </p:txBody>
       </p:sp>
@@ -7928,8 +7650,8 @@
         </p:nvSpPr>
         <p:spPr>
           <a:xfrm>
-            <a:off x="14453659" y="17009775"/>
-            <a:ext cx="965329" cy="369332"/>
+            <a:off x="10642059" y="17162487"/>
+            <a:ext cx="1221809" cy="461665"/>
           </a:xfrm>
           <a:prstGeom prst="rect">
             <a:avLst/>
@@ -7943,7 +7665,7 @@
           <a:lstStyle/>
           <a:p>
             <a:r>
-              <a:rPr lang="en-SE" dirty="0">
+              <a:rPr lang="en-SE" sz="2400" dirty="0">
                 <a:latin typeface="Titillium Web" pitchFamily="2" charset="77"/>
               </a:rPr>
               <a:t>Internet</a:t>
@@ -7951,12 +7673,360 @@
           </a:p>
         </p:txBody>
       </p:sp>
-      <p:sp>
-        <p:nvSpPr>
-          <p:cNvPr id="28" name="TextBox 27">
+    </p:spTree>
+    <p:extLst>
+      <p:ext uri="{BB962C8B-B14F-4D97-AF65-F5344CB8AC3E}">
+        <p14:creationId xmlns:p14="http://schemas.microsoft.com/office/powerpoint/2010/main" val="1271380037"/>
+      </p:ext>
+    </p:extLst>
+  </p:cSld>
+  <p:clrMapOvr>
+    <a:masterClrMapping/>
+  </p:clrMapOvr>
+</p:sld>
+</file>
+
+<file path=ppt/slides/slide2.xml><?xml version="1.0" encoding="utf-8"?>
+<p:sld xmlns:a="http://schemas.openxmlformats.org/drawingml/2006/main" xmlns:r="http://schemas.openxmlformats.org/officeDocument/2006/relationships" xmlns:p="http://schemas.openxmlformats.org/presentationml/2006/main">
+  <p:cSld>
+    <p:spTree>
+      <p:nvGrpSpPr>
+        <p:cNvPr id="1" name=""/>
+        <p:cNvGrpSpPr/>
+        <p:nvPr/>
+      </p:nvGrpSpPr>
+      <p:grpSpPr>
+        <a:xfrm>
+          <a:off x="0" y="0"/>
+          <a:ext cx="0" cy="0"/>
+          <a:chOff x="0" y="0"/>
+          <a:chExt cx="0" cy="0"/>
+        </a:xfrm>
+      </p:grpSpPr>
+      <p:sp>
+        <p:nvSpPr>
+          <p:cNvPr id="2" name="Title 1">
             <a:extLst>
               <a:ext uri="{FF2B5EF4-FFF2-40B4-BE49-F238E27FC236}">
-                <a16:creationId xmlns:a16="http://schemas.microsoft.com/office/drawing/2014/main" id="{3D51C17A-9429-A2B2-3241-8E61197C2063}"/>
+                <a16:creationId xmlns:a16="http://schemas.microsoft.com/office/drawing/2014/main" id="{A4D9AC4A-72DA-304A-B81E-BBD90A1A8991}"/>
+              </a:ext>
+            </a:extLst>
+          </p:cNvPr>
+          <p:cNvSpPr>
+            <a:spLocks noGrp="1"/>
+          </p:cNvSpPr>
+          <p:nvPr>
+            <p:ph type="title"/>
+          </p:nvPr>
+        </p:nvSpPr>
+        <p:spPr/>
+        <p:txBody>
+          <a:bodyPr/>
+          <a:lstStyle/>
+          <a:p>
+            <a:endParaRPr lang="en-SE"/>
+          </a:p>
+        </p:txBody>
+      </p:sp>
+      <p:sp>
+        <p:nvSpPr>
+          <p:cNvPr id="4" name="Oval 3">
+            <a:extLst>
+              <a:ext uri="{FF2B5EF4-FFF2-40B4-BE49-F238E27FC236}">
+                <a16:creationId xmlns:a16="http://schemas.microsoft.com/office/drawing/2014/main" id="{9DAD9FEA-2D51-2DDD-8AD5-28412148730A}"/>
+              </a:ext>
+            </a:extLst>
+          </p:cNvPr>
+          <p:cNvSpPr/>
+          <p:nvPr/>
+        </p:nvSpPr>
+        <p:spPr>
+          <a:xfrm>
+            <a:off x="8736700" y="10825707"/>
+            <a:ext cx="5759248" cy="2949560"/>
+          </a:xfrm>
+          <a:prstGeom prst="ellipse">
+            <a:avLst/>
+          </a:prstGeom>
+          <a:noFill/>
+          <a:ln w="69850">
+            <a:solidFill>
+              <a:srgbClr val="2BA198"/>
+            </a:solidFill>
+            <a:prstDash val="dash"/>
+          </a:ln>
+        </p:spPr>
+        <p:style>
+          <a:lnRef idx="2">
+            <a:schemeClr val="accent1">
+              <a:shade val="50000"/>
+            </a:schemeClr>
+          </a:lnRef>
+          <a:fillRef idx="1">
+            <a:schemeClr val="accent1"/>
+          </a:fillRef>
+          <a:effectRef idx="0">
+            <a:schemeClr val="accent1"/>
+          </a:effectRef>
+          <a:fontRef idx="minor">
+            <a:schemeClr val="lt1"/>
+          </a:fontRef>
+        </p:style>
+        <p:txBody>
+          <a:bodyPr rtlCol="0" anchor="ctr"/>
+          <a:lstStyle/>
+          <a:p>
+            <a:pPr algn="ctr"/>
+            <a:endParaRPr lang="en-SE" dirty="0"/>
+          </a:p>
+        </p:txBody>
+      </p:sp>
+      <p:pic>
+        <p:nvPicPr>
+          <p:cNvPr id="6" name="Picture 5">
+            <a:extLst>
+              <a:ext uri="{FF2B5EF4-FFF2-40B4-BE49-F238E27FC236}">
+                <a16:creationId xmlns:a16="http://schemas.microsoft.com/office/drawing/2014/main" id="{A2308270-1414-0CF7-7E3B-D52B9FDE347F}"/>
+              </a:ext>
+            </a:extLst>
+          </p:cNvPr>
+          <p:cNvPicPr>
+            <a:picLocks noChangeAspect="1"/>
+          </p:cNvPicPr>
+          <p:nvPr/>
+        </p:nvPicPr>
+        <p:blipFill>
+          <a:blip r:embed="rId2"/>
+          <a:stretch>
+            <a:fillRect/>
+          </a:stretch>
+        </p:blipFill>
+        <p:spPr>
+          <a:xfrm>
+            <a:off x="1035579" y="8037263"/>
+            <a:ext cx="5576888" cy="5576888"/>
+          </a:xfrm>
+          <a:prstGeom prst="rect">
+            <a:avLst/>
+          </a:prstGeom>
+        </p:spPr>
+      </p:pic>
+      <p:pic>
+        <p:nvPicPr>
+          <p:cNvPr id="9" name="Picture 8">
+            <a:extLst>
+              <a:ext uri="{FF2B5EF4-FFF2-40B4-BE49-F238E27FC236}">
+                <a16:creationId xmlns:a16="http://schemas.microsoft.com/office/drawing/2014/main" id="{07DBBDA3-7621-E8B2-06B8-D7F663066A2A}"/>
+              </a:ext>
+            </a:extLst>
+          </p:cNvPr>
+          <p:cNvPicPr>
+            <a:picLocks noChangeAspect="1"/>
+          </p:cNvPicPr>
+          <p:nvPr/>
+        </p:nvPicPr>
+        <p:blipFill>
+          <a:blip r:embed="rId3"/>
+          <a:stretch>
+            <a:fillRect/>
+          </a:stretch>
+        </p:blipFill>
+        <p:spPr>
+          <a:xfrm>
+            <a:off x="14899744" y="8189663"/>
+            <a:ext cx="4222501" cy="2788444"/>
+          </a:xfrm>
+          <a:prstGeom prst="rect">
+            <a:avLst/>
+          </a:prstGeom>
+        </p:spPr>
+      </p:pic>
+      <p:pic>
+        <p:nvPicPr>
+          <p:cNvPr id="10" name="Picture 9">
+            <a:extLst>
+              <a:ext uri="{FF2B5EF4-FFF2-40B4-BE49-F238E27FC236}">
+                <a16:creationId xmlns:a16="http://schemas.microsoft.com/office/drawing/2014/main" id="{F6224149-2AC3-B05F-FF06-279A34A4C93E}"/>
+              </a:ext>
+            </a:extLst>
+          </p:cNvPr>
+          <p:cNvPicPr>
+            <a:picLocks noChangeAspect="1"/>
+          </p:cNvPicPr>
+          <p:nvPr/>
+        </p:nvPicPr>
+        <p:blipFill>
+          <a:blip r:embed="rId4"/>
+          <a:stretch>
+            <a:fillRect/>
+          </a:stretch>
+        </p:blipFill>
+        <p:spPr>
+          <a:xfrm>
+            <a:off x="7165735" y="7376863"/>
+            <a:ext cx="3141929" cy="3141929"/>
+          </a:xfrm>
+          <a:prstGeom prst="rect">
+            <a:avLst/>
+          </a:prstGeom>
+        </p:spPr>
+      </p:pic>
+      <p:pic>
+        <p:nvPicPr>
+          <p:cNvPr id="12" name="Picture 11" descr="Icon&#10;&#10;Description automatically generated">
+            <a:extLst>
+              <a:ext uri="{FF2B5EF4-FFF2-40B4-BE49-F238E27FC236}">
+                <a16:creationId xmlns:a16="http://schemas.microsoft.com/office/drawing/2014/main" id="{5E2A9761-62F9-CBF4-9CF3-F349713741E2}"/>
+              </a:ext>
+            </a:extLst>
+          </p:cNvPr>
+          <p:cNvPicPr>
+            <a:picLocks noChangeAspect="1"/>
+          </p:cNvPicPr>
+          <p:nvPr/>
+        </p:nvPicPr>
+        <p:blipFill>
+          <a:blip r:embed="rId5"/>
+          <a:stretch>
+            <a:fillRect/>
+          </a:stretch>
+        </p:blipFill>
+        <p:spPr>
+          <a:xfrm>
+            <a:off x="17043683" y="14648503"/>
+            <a:ext cx="900846" cy="1224227"/>
+          </a:xfrm>
+          <a:prstGeom prst="rect">
+            <a:avLst/>
+          </a:prstGeom>
+        </p:spPr>
+      </p:pic>
+      <p:pic>
+        <p:nvPicPr>
+          <p:cNvPr id="16" name="Picture 15" descr="Icon&#10;&#10;Description automatically generated">
+            <a:extLst>
+              <a:ext uri="{FF2B5EF4-FFF2-40B4-BE49-F238E27FC236}">
+                <a16:creationId xmlns:a16="http://schemas.microsoft.com/office/drawing/2014/main" id="{EABEDF0A-3232-E847-3BF1-A93739634FBD}"/>
+              </a:ext>
+            </a:extLst>
+          </p:cNvPr>
+          <p:cNvPicPr>
+            <a:picLocks noChangeAspect="1"/>
+          </p:cNvPicPr>
+          <p:nvPr/>
+        </p:nvPicPr>
+        <p:blipFill>
+          <a:blip r:embed="rId6"/>
+          <a:stretch>
+            <a:fillRect/>
+          </a:stretch>
+        </p:blipFill>
+        <p:spPr>
+          <a:xfrm>
+            <a:off x="16535603" y="11507369"/>
+            <a:ext cx="829725" cy="1040078"/>
+          </a:xfrm>
+          <a:prstGeom prst="rect">
+            <a:avLst/>
+          </a:prstGeom>
+        </p:spPr>
+      </p:pic>
+      <p:pic>
+        <p:nvPicPr>
+          <p:cNvPr id="18" name="Picture 17" descr="Icon&#10;&#10;Description automatically generated">
+            <a:extLst>
+              <a:ext uri="{FF2B5EF4-FFF2-40B4-BE49-F238E27FC236}">
+                <a16:creationId xmlns:a16="http://schemas.microsoft.com/office/drawing/2014/main" id="{52D6348E-54F3-C188-B8F1-B69CEA757D4E}"/>
+              </a:ext>
+            </a:extLst>
+          </p:cNvPr>
+          <p:cNvPicPr>
+            <a:picLocks noChangeAspect="1"/>
+          </p:cNvPicPr>
+          <p:nvPr/>
+        </p:nvPicPr>
+        <p:blipFill>
+          <a:blip r:embed="rId7"/>
+          <a:stretch>
+            <a:fillRect/>
+          </a:stretch>
+        </p:blipFill>
+        <p:spPr>
+          <a:xfrm>
+            <a:off x="16113827" y="13097216"/>
+            <a:ext cx="810166" cy="1040078"/>
+          </a:xfrm>
+          <a:prstGeom prst="rect">
+            <a:avLst/>
+          </a:prstGeom>
+        </p:spPr>
+      </p:pic>
+      <p:pic>
+        <p:nvPicPr>
+          <p:cNvPr id="20" name="Picture 19" descr="A picture containing text, clipart&#10;&#10;Description automatically generated">
+            <a:extLst>
+              <a:ext uri="{FF2B5EF4-FFF2-40B4-BE49-F238E27FC236}">
+                <a16:creationId xmlns:a16="http://schemas.microsoft.com/office/drawing/2014/main" id="{5D9F99F4-E2A2-0DE9-8A74-FF3E0F99AF07}"/>
+              </a:ext>
+            </a:extLst>
+          </p:cNvPr>
+          <p:cNvPicPr>
+            <a:picLocks noChangeAspect="1"/>
+          </p:cNvPicPr>
+          <p:nvPr/>
+        </p:nvPicPr>
+        <p:blipFill>
+          <a:blip r:embed="rId8"/>
+          <a:stretch>
+            <a:fillRect/>
+          </a:stretch>
+        </p:blipFill>
+        <p:spPr>
+          <a:xfrm>
+            <a:off x="17494106" y="12160328"/>
+            <a:ext cx="900846" cy="1142536"/>
+          </a:xfrm>
+          <a:prstGeom prst="rect">
+            <a:avLst/>
+          </a:prstGeom>
+        </p:spPr>
+      </p:pic>
+      <p:pic>
+        <p:nvPicPr>
+          <p:cNvPr id="22" name="Picture 21" descr="Icon&#10;&#10;Description automatically generated">
+            <a:extLst>
+              <a:ext uri="{FF2B5EF4-FFF2-40B4-BE49-F238E27FC236}">
+                <a16:creationId xmlns:a16="http://schemas.microsoft.com/office/drawing/2014/main" id="{C3C4F0B6-2EE7-D70E-6613-61A6823BC17A}"/>
+              </a:ext>
+            </a:extLst>
+          </p:cNvPr>
+          <p:cNvPicPr>
+            <a:picLocks noChangeAspect="1"/>
+          </p:cNvPicPr>
+          <p:nvPr/>
+        </p:nvPicPr>
+        <p:blipFill>
+          <a:blip r:embed="rId9"/>
+          <a:stretch>
+            <a:fillRect/>
+          </a:stretch>
+        </p:blipFill>
+        <p:spPr>
+          <a:xfrm>
+            <a:off x="17626306" y="13247570"/>
+            <a:ext cx="822571" cy="733161"/>
+          </a:xfrm>
+          <a:prstGeom prst="rect">
+            <a:avLst/>
+          </a:prstGeom>
+        </p:spPr>
+      </p:pic>
+      <p:sp>
+        <p:nvSpPr>
+          <p:cNvPr id="23" name="TextBox 22">
+            <a:extLst>
+              <a:ext uri="{FF2B5EF4-FFF2-40B4-BE49-F238E27FC236}">
+                <a16:creationId xmlns:a16="http://schemas.microsoft.com/office/drawing/2014/main" id="{5116CD4D-AF33-6C51-CD7D-640C1ABABD0E}"/>
               </a:ext>
             </a:extLst>
           </p:cNvPr>
@@ -7965,8 +8035,8 @@
         </p:nvSpPr>
         <p:spPr>
           <a:xfrm>
-            <a:off x="8575969" y="17083344"/>
-            <a:ext cx="1027845" cy="369332"/>
+            <a:off x="10925439" y="10918699"/>
+            <a:ext cx="1502334" cy="646331"/>
           </a:xfrm>
           <a:prstGeom prst="rect">
             <a:avLst/>
@@ -7980,18 +8050,313 @@
           <a:lstStyle/>
           <a:p>
             <a:r>
-              <a:rPr lang="en-SE" dirty="0">
+              <a:rPr lang="en-SE" sz="3600" dirty="0">
                 <a:latin typeface="Titillium Web" pitchFamily="2" charset="77"/>
               </a:rPr>
-              <a:t>Network</a:t>
-            </a:r>
+              <a:t>Colony</a:t>
+            </a:r>
+          </a:p>
+        </p:txBody>
+      </p:sp>
+      <p:sp>
+        <p:nvSpPr>
+          <p:cNvPr id="24" name="Rectangle 23">
+            <a:extLst>
+              <a:ext uri="{FF2B5EF4-FFF2-40B4-BE49-F238E27FC236}">
+                <a16:creationId xmlns:a16="http://schemas.microsoft.com/office/drawing/2014/main" id="{C511EC8F-3B21-F6A7-E756-E9A6D76E9074}"/>
+              </a:ext>
+            </a:extLst>
+          </p:cNvPr>
+          <p:cNvSpPr/>
+          <p:nvPr/>
+        </p:nvSpPr>
+        <p:spPr>
+          <a:xfrm>
+            <a:off x="9775502" y="12921571"/>
+            <a:ext cx="1618219" cy="302484"/>
+          </a:xfrm>
+          <a:prstGeom prst="rect">
+            <a:avLst/>
+          </a:prstGeom>
+          <a:noFill/>
+          <a:ln>
+            <a:noFill/>
+          </a:ln>
+        </p:spPr>
+        <p:style>
+          <a:lnRef idx="2">
+            <a:schemeClr val="accent1">
+              <a:shade val="50000"/>
+            </a:schemeClr>
+          </a:lnRef>
+          <a:fillRef idx="1">
+            <a:schemeClr val="accent1"/>
+          </a:fillRef>
+          <a:effectRef idx="0">
+            <a:schemeClr val="accent1"/>
+          </a:effectRef>
+          <a:fontRef idx="minor">
+            <a:schemeClr val="lt1"/>
+          </a:fontRef>
+        </p:style>
+        <p:txBody>
+          <a:bodyPr rtlCol="0" anchor="ctr"/>
+          <a:lstStyle/>
+          <a:p>
+            <a:pPr algn="ctr"/>
+            <a:r>
+              <a:rPr lang="en-SE" sz="2400" dirty="0">
+                <a:solidFill>
+                  <a:schemeClr val="tx1"/>
+                </a:solidFill>
+                <a:latin typeface="Titillium Web" pitchFamily="2" charset="77"/>
+              </a:rPr>
+              <a:t>Executors</a:t>
+            </a:r>
+            <a:endParaRPr lang="en-SE" sz="2400" dirty="0">
+              <a:latin typeface="Titillium Web" pitchFamily="2" charset="77"/>
+            </a:endParaRPr>
+          </a:p>
+        </p:txBody>
+      </p:sp>
+      <p:pic>
+        <p:nvPicPr>
+          <p:cNvPr id="30" name="Picture 29" descr="Shape&#10;&#10;Description automatically generated">
+            <a:extLst>
+              <a:ext uri="{FF2B5EF4-FFF2-40B4-BE49-F238E27FC236}">
+                <a16:creationId xmlns:a16="http://schemas.microsoft.com/office/drawing/2014/main" id="{D931E403-54A3-DD5D-423B-E9E81CBE2930}"/>
+              </a:ext>
+            </a:extLst>
+          </p:cNvPr>
+          <p:cNvPicPr>
+            <a:picLocks noChangeAspect="1"/>
+          </p:cNvPicPr>
+          <p:nvPr/>
+        </p:nvPicPr>
+        <p:blipFill>
+          <a:blip r:embed="rId10"/>
+          <a:stretch>
+            <a:fillRect/>
+          </a:stretch>
+        </p:blipFill>
+        <p:spPr>
+          <a:xfrm>
+            <a:off x="4890454" y="14137294"/>
+            <a:ext cx="4673600" cy="4673600"/>
+          </a:xfrm>
+          <a:prstGeom prst="rect">
+            <a:avLst/>
+          </a:prstGeom>
+        </p:spPr>
+      </p:pic>
+      <p:pic>
+        <p:nvPicPr>
+          <p:cNvPr id="32" name="Picture 31" descr="Icon&#10;&#10;Description automatically generated">
+            <a:extLst>
+              <a:ext uri="{FF2B5EF4-FFF2-40B4-BE49-F238E27FC236}">
+                <a16:creationId xmlns:a16="http://schemas.microsoft.com/office/drawing/2014/main" id="{BAF28C3B-8814-3519-A6D3-107036C1A8EF}"/>
+              </a:ext>
+            </a:extLst>
+          </p:cNvPr>
+          <p:cNvPicPr>
+            <a:picLocks noChangeAspect="1"/>
+          </p:cNvPicPr>
+          <p:nvPr/>
+        </p:nvPicPr>
+        <p:blipFill>
+          <a:blip r:embed="rId11"/>
+          <a:stretch>
+            <a:fillRect/>
+          </a:stretch>
+        </p:blipFill>
+        <p:spPr>
+          <a:xfrm>
+            <a:off x="9084733" y="11549344"/>
+            <a:ext cx="916095" cy="1161714"/>
+          </a:xfrm>
+          <a:prstGeom prst="rect">
+            <a:avLst/>
+          </a:prstGeom>
+        </p:spPr>
+      </p:pic>
+      <p:pic>
+        <p:nvPicPr>
+          <p:cNvPr id="34" name="Picture 33" descr="Qr code&#10;&#10;Description automatically generated">
+            <a:extLst>
+              <a:ext uri="{FF2B5EF4-FFF2-40B4-BE49-F238E27FC236}">
+                <a16:creationId xmlns:a16="http://schemas.microsoft.com/office/drawing/2014/main" id="{4E85E5BB-8214-8EDD-D5FE-225DAC220421}"/>
+              </a:ext>
+            </a:extLst>
+          </p:cNvPr>
+          <p:cNvPicPr>
+            <a:picLocks noChangeAspect="1"/>
+          </p:cNvPicPr>
+          <p:nvPr/>
+        </p:nvPicPr>
+        <p:blipFill>
+          <a:blip r:embed="rId12"/>
+          <a:stretch>
+            <a:fillRect/>
+          </a:stretch>
+        </p:blipFill>
+        <p:spPr>
+          <a:xfrm>
+            <a:off x="10501001" y="11443247"/>
+            <a:ext cx="895928" cy="1179199"/>
+          </a:xfrm>
+          <a:prstGeom prst="rect">
+            <a:avLst/>
+          </a:prstGeom>
+        </p:spPr>
+      </p:pic>
+      <p:pic>
+        <p:nvPicPr>
+          <p:cNvPr id="36" name="Picture 35" descr="A picture containing shape&#10;&#10;Description automatically generated">
+            <a:extLst>
+              <a:ext uri="{FF2B5EF4-FFF2-40B4-BE49-F238E27FC236}">
+                <a16:creationId xmlns:a16="http://schemas.microsoft.com/office/drawing/2014/main" id="{337D91CB-F372-F476-F44B-B5AD6F7231A7}"/>
+              </a:ext>
+            </a:extLst>
+          </p:cNvPr>
+          <p:cNvPicPr>
+            <a:picLocks noChangeAspect="1"/>
+          </p:cNvPicPr>
+          <p:nvPr/>
+        </p:nvPicPr>
+        <p:blipFill>
+          <a:blip r:embed="rId13"/>
+          <a:stretch>
+            <a:fillRect/>
+          </a:stretch>
+        </p:blipFill>
+        <p:spPr>
+          <a:xfrm>
+            <a:off x="11495855" y="12371860"/>
+            <a:ext cx="1220905" cy="1099422"/>
+          </a:xfrm>
+          <a:prstGeom prst="rect">
+            <a:avLst/>
+          </a:prstGeom>
+        </p:spPr>
+      </p:pic>
+      <p:pic>
+        <p:nvPicPr>
+          <p:cNvPr id="38" name="Picture 37" descr="Icon&#10;&#10;Description automatically generated">
+            <a:extLst>
+              <a:ext uri="{FF2B5EF4-FFF2-40B4-BE49-F238E27FC236}">
+                <a16:creationId xmlns:a16="http://schemas.microsoft.com/office/drawing/2014/main" id="{DC6C48DA-AF24-3828-C110-A45C87BAEF90}"/>
+              </a:ext>
+            </a:extLst>
+          </p:cNvPr>
+          <p:cNvPicPr>
+            <a:picLocks noChangeAspect="1"/>
+          </p:cNvPicPr>
+          <p:nvPr/>
+        </p:nvPicPr>
+        <p:blipFill>
+          <a:blip r:embed="rId14"/>
+          <a:stretch>
+            <a:fillRect/>
+          </a:stretch>
+        </p:blipFill>
+        <p:spPr>
+          <a:xfrm>
+            <a:off x="12818894" y="11454963"/>
+            <a:ext cx="1107958" cy="1329549"/>
+          </a:xfrm>
+          <a:prstGeom prst="rect">
+            <a:avLst/>
+          </a:prstGeom>
+        </p:spPr>
+      </p:pic>
+      <p:pic>
+        <p:nvPicPr>
+          <p:cNvPr id="39" name="Picture 38">
+            <a:extLst>
+              <a:ext uri="{FF2B5EF4-FFF2-40B4-BE49-F238E27FC236}">
+                <a16:creationId xmlns:a16="http://schemas.microsoft.com/office/drawing/2014/main" id="{1B350DE1-43CD-B2CF-B34D-0B954ED777AC}"/>
+              </a:ext>
+            </a:extLst>
+          </p:cNvPr>
+          <p:cNvPicPr>
+            <a:picLocks noChangeAspect="1"/>
+          </p:cNvPicPr>
+          <p:nvPr/>
+        </p:nvPicPr>
+        <p:blipFill>
+          <a:blip r:embed="rId15"/>
+          <a:stretch>
+            <a:fillRect/>
+          </a:stretch>
+        </p:blipFill>
+        <p:spPr>
+          <a:xfrm>
+            <a:off x="10799396" y="14319949"/>
+            <a:ext cx="2981738" cy="2367851"/>
+          </a:xfrm>
+          <a:prstGeom prst="rect">
+            <a:avLst/>
+          </a:prstGeom>
+        </p:spPr>
+      </p:pic>
+      <p:sp>
+        <p:nvSpPr>
+          <p:cNvPr id="42" name="Rectangle 41">
+            <a:extLst>
+              <a:ext uri="{FF2B5EF4-FFF2-40B4-BE49-F238E27FC236}">
+                <a16:creationId xmlns:a16="http://schemas.microsoft.com/office/drawing/2014/main" id="{4932CCC2-47AE-A18E-CC9F-0C20C5BCAC8A}"/>
+              </a:ext>
+            </a:extLst>
+          </p:cNvPr>
+          <p:cNvSpPr/>
+          <p:nvPr/>
+        </p:nvSpPr>
+        <p:spPr>
+          <a:xfrm>
+            <a:off x="13499159" y="11454963"/>
+            <a:ext cx="406400" cy="220134"/>
+          </a:xfrm>
+          <a:prstGeom prst="rect">
+            <a:avLst/>
+          </a:prstGeom>
+          <a:solidFill>
+            <a:schemeClr val="bg1"/>
+          </a:solidFill>
+          <a:ln>
+            <a:solidFill>
+              <a:schemeClr val="bg1"/>
+            </a:solidFill>
+          </a:ln>
+        </p:spPr>
+        <p:style>
+          <a:lnRef idx="2">
+            <a:schemeClr val="accent1">
+              <a:shade val="50000"/>
+            </a:schemeClr>
+          </a:lnRef>
+          <a:fillRef idx="1">
+            <a:schemeClr val="accent1"/>
+          </a:fillRef>
+          <a:effectRef idx="0">
+            <a:schemeClr val="accent1"/>
+          </a:effectRef>
+          <a:fontRef idx="minor">
+            <a:schemeClr val="lt1"/>
+          </a:fontRef>
+        </p:style>
+        <p:txBody>
+          <a:bodyPr rtlCol="0" anchor="ctr"/>
+          <a:lstStyle/>
+          <a:p>
+            <a:pPr algn="ctr"/>
+            <a:endParaRPr lang="en-SE" dirty="0"/>
           </a:p>
         </p:txBody>
       </p:sp>
     </p:spTree>
     <p:extLst>
       <p:ext uri="{BB962C8B-B14F-4D97-AF65-F5344CB8AC3E}">
-        <p14:creationId xmlns:p14="http://schemas.microsoft.com/office/powerpoint/2010/main" val="1271380037"/>
+        <p14:creationId xmlns:p14="http://schemas.microsoft.com/office/powerpoint/2010/main" val="2738334269"/>
       </p:ext>
     </p:extLst>
   </p:cSld>
